--- a/SDD 관련 자료/작업 결과물/대화 모형도/강의평가질문등록.pptx
+++ b/SDD 관련 자료/작업 결과물/대화 모형도/강의평가질문등록.pptx
@@ -106,7 +106,7 @@
   </p:defaultTextStyle>
   <p:extLst>
     <p:ext uri="{EFAFB233-063F-42B5-8137-9DF3F51BA10A}">
-      <p15:sldGuideLst xmlns="" xmlns:p15="http://schemas.microsoft.com/office/powerpoint/2012/main">
+      <p15:sldGuideLst xmlns:p15="http://schemas.microsoft.com/office/powerpoint/2012/main">
         <p15:guide id="1" orient="horz" pos="2160" userDrawn="1">
           <p15:clr>
             <a:srgbClr val="A4A3A4"/>
@@ -165,10 +165,9 @@
           </a:lstStyle>
           <a:p>
             <a:r>
-              <a:rPr lang="ko-KR" altLang="en-US" smtClean="0"/>
+              <a:rPr lang="ko-KR" altLang="en-US"/>
               <a:t>마스터 제목 스타일 편집</a:t>
             </a:r>
-            <a:endParaRPr lang="ko-KR" altLang="en-US"/>
           </a:p>
         </p:txBody>
       </p:sp>
@@ -230,10 +229,9 @@
           </a:lstStyle>
           <a:p>
             <a:r>
-              <a:rPr lang="ko-KR" altLang="en-US" smtClean="0"/>
+              <a:rPr lang="ko-KR" altLang="en-US"/>
               <a:t>클릭하여 마스터 부제목 스타일 편집</a:t>
             </a:r>
-            <a:endParaRPr lang="ko-KR" altLang="en-US"/>
           </a:p>
         </p:txBody>
       </p:sp>
@@ -255,7 +253,7 @@
             <a:fld id="{CF8179D7-D033-41D0-A6BF-A7F2D307D978}" type="datetimeFigureOut">
               <a:rPr lang="ko-KR" altLang="en-US" smtClean="0"/>
               <a:pPr/>
-              <a:t>2016-05-23</a:t>
+              <a:t>2016-05-24</a:t>
             </a:fld>
             <a:endParaRPr lang="ko-KR" altLang="en-US"/>
           </a:p>
@@ -307,7 +305,7 @@
     </p:spTree>
     <p:extLst>
       <p:ext uri="{BB962C8B-B14F-4D97-AF65-F5344CB8AC3E}">
-        <p14:creationId xmlns="" xmlns:p14="http://schemas.microsoft.com/office/powerpoint/2010/main" val="4194512445"/>
+        <p14:creationId xmlns:p14="http://schemas.microsoft.com/office/powerpoint/2010/main" val="4194512445"/>
       </p:ext>
     </p:extLst>
   </p:cSld>
@@ -350,10 +348,9 @@
           <a:lstStyle/>
           <a:p>
             <a:r>
-              <a:rPr lang="ko-KR" altLang="en-US" smtClean="0"/>
+              <a:rPr lang="ko-KR" altLang="en-US"/>
               <a:t>마스터 제목 스타일 편집</a:t>
             </a:r>
-            <a:endParaRPr lang="ko-KR" altLang="en-US"/>
           </a:p>
         </p:txBody>
       </p:sp>
@@ -374,38 +371,37 @@
           <a:p>
             <a:pPr lvl="0"/>
             <a:r>
-              <a:rPr lang="ko-KR" altLang="en-US" smtClean="0"/>
+              <a:rPr lang="ko-KR" altLang="en-US"/>
               <a:t>마스터 텍스트 스타일 편집</a:t>
             </a:r>
           </a:p>
           <a:p>
             <a:pPr lvl="1"/>
             <a:r>
-              <a:rPr lang="ko-KR" altLang="en-US" smtClean="0"/>
+              <a:rPr lang="ko-KR" altLang="en-US"/>
               <a:t>둘째 수준</a:t>
             </a:r>
           </a:p>
           <a:p>
             <a:pPr lvl="2"/>
             <a:r>
-              <a:rPr lang="ko-KR" altLang="en-US" smtClean="0"/>
+              <a:rPr lang="ko-KR" altLang="en-US"/>
               <a:t>셋째 수준</a:t>
             </a:r>
           </a:p>
           <a:p>
             <a:pPr lvl="3"/>
             <a:r>
-              <a:rPr lang="ko-KR" altLang="en-US" smtClean="0"/>
+              <a:rPr lang="ko-KR" altLang="en-US"/>
               <a:t>넷째 수준</a:t>
             </a:r>
           </a:p>
           <a:p>
             <a:pPr lvl="4"/>
             <a:r>
-              <a:rPr lang="ko-KR" altLang="en-US" smtClean="0"/>
+              <a:rPr lang="ko-KR" altLang="en-US"/>
               <a:t>다섯째 수준</a:t>
             </a:r>
-            <a:endParaRPr lang="ko-KR" altLang="en-US"/>
           </a:p>
         </p:txBody>
       </p:sp>
@@ -427,7 +423,7 @@
             <a:fld id="{CF8179D7-D033-41D0-A6BF-A7F2D307D978}" type="datetimeFigureOut">
               <a:rPr lang="ko-KR" altLang="en-US" smtClean="0"/>
               <a:pPr/>
-              <a:t>2016-05-23</a:t>
+              <a:t>2016-05-24</a:t>
             </a:fld>
             <a:endParaRPr lang="ko-KR" altLang="en-US"/>
           </a:p>
@@ -479,7 +475,7 @@
     </p:spTree>
     <p:extLst>
       <p:ext uri="{BB962C8B-B14F-4D97-AF65-F5344CB8AC3E}">
-        <p14:creationId xmlns="" xmlns:p14="http://schemas.microsoft.com/office/powerpoint/2010/main" val="388121294"/>
+        <p14:creationId xmlns:p14="http://schemas.microsoft.com/office/powerpoint/2010/main" val="388121294"/>
       </p:ext>
     </p:extLst>
   </p:cSld>
@@ -527,10 +523,9 @@
           <a:lstStyle/>
           <a:p>
             <a:r>
-              <a:rPr lang="ko-KR" altLang="en-US" smtClean="0"/>
+              <a:rPr lang="ko-KR" altLang="en-US"/>
               <a:t>마스터 제목 스타일 편집</a:t>
             </a:r>
-            <a:endParaRPr lang="ko-KR" altLang="en-US"/>
           </a:p>
         </p:txBody>
       </p:sp>
@@ -556,38 +551,37 @@
           <a:p>
             <a:pPr lvl="0"/>
             <a:r>
-              <a:rPr lang="ko-KR" altLang="en-US" smtClean="0"/>
+              <a:rPr lang="ko-KR" altLang="en-US"/>
               <a:t>마스터 텍스트 스타일 편집</a:t>
             </a:r>
           </a:p>
           <a:p>
             <a:pPr lvl="1"/>
             <a:r>
-              <a:rPr lang="ko-KR" altLang="en-US" smtClean="0"/>
+              <a:rPr lang="ko-KR" altLang="en-US"/>
               <a:t>둘째 수준</a:t>
             </a:r>
           </a:p>
           <a:p>
             <a:pPr lvl="2"/>
             <a:r>
-              <a:rPr lang="ko-KR" altLang="en-US" smtClean="0"/>
+              <a:rPr lang="ko-KR" altLang="en-US"/>
               <a:t>셋째 수준</a:t>
             </a:r>
           </a:p>
           <a:p>
             <a:pPr lvl="3"/>
             <a:r>
-              <a:rPr lang="ko-KR" altLang="en-US" smtClean="0"/>
+              <a:rPr lang="ko-KR" altLang="en-US"/>
               <a:t>넷째 수준</a:t>
             </a:r>
           </a:p>
           <a:p>
             <a:pPr lvl="4"/>
             <a:r>
-              <a:rPr lang="ko-KR" altLang="en-US" smtClean="0"/>
+              <a:rPr lang="ko-KR" altLang="en-US"/>
               <a:t>다섯째 수준</a:t>
             </a:r>
-            <a:endParaRPr lang="ko-KR" altLang="en-US"/>
           </a:p>
         </p:txBody>
       </p:sp>
@@ -609,7 +603,7 @@
             <a:fld id="{CF8179D7-D033-41D0-A6BF-A7F2D307D978}" type="datetimeFigureOut">
               <a:rPr lang="ko-KR" altLang="en-US" smtClean="0"/>
               <a:pPr/>
-              <a:t>2016-05-23</a:t>
+              <a:t>2016-05-24</a:t>
             </a:fld>
             <a:endParaRPr lang="ko-KR" altLang="en-US"/>
           </a:p>
@@ -661,7 +655,7 @@
     </p:spTree>
     <p:extLst>
       <p:ext uri="{BB962C8B-B14F-4D97-AF65-F5344CB8AC3E}">
-        <p14:creationId xmlns="" xmlns:p14="http://schemas.microsoft.com/office/powerpoint/2010/main" val="808523734"/>
+        <p14:creationId xmlns:p14="http://schemas.microsoft.com/office/powerpoint/2010/main" val="808523734"/>
       </p:ext>
     </p:extLst>
   </p:cSld>
@@ -704,10 +698,9 @@
           <a:lstStyle/>
           <a:p>
             <a:r>
-              <a:rPr lang="ko-KR" altLang="en-US" smtClean="0"/>
+              <a:rPr lang="ko-KR" altLang="en-US"/>
               <a:t>마스터 제목 스타일 편집</a:t>
             </a:r>
-            <a:endParaRPr lang="ko-KR" altLang="en-US"/>
           </a:p>
         </p:txBody>
       </p:sp>
@@ -728,38 +721,37 @@
           <a:p>
             <a:pPr lvl="0"/>
             <a:r>
-              <a:rPr lang="ko-KR" altLang="en-US" smtClean="0"/>
+              <a:rPr lang="ko-KR" altLang="en-US"/>
               <a:t>마스터 텍스트 스타일 편집</a:t>
             </a:r>
           </a:p>
           <a:p>
             <a:pPr lvl="1"/>
             <a:r>
-              <a:rPr lang="ko-KR" altLang="en-US" smtClean="0"/>
+              <a:rPr lang="ko-KR" altLang="en-US"/>
               <a:t>둘째 수준</a:t>
             </a:r>
           </a:p>
           <a:p>
             <a:pPr lvl="2"/>
             <a:r>
-              <a:rPr lang="ko-KR" altLang="en-US" smtClean="0"/>
+              <a:rPr lang="ko-KR" altLang="en-US"/>
               <a:t>셋째 수준</a:t>
             </a:r>
           </a:p>
           <a:p>
             <a:pPr lvl="3"/>
             <a:r>
-              <a:rPr lang="ko-KR" altLang="en-US" smtClean="0"/>
+              <a:rPr lang="ko-KR" altLang="en-US"/>
               <a:t>넷째 수준</a:t>
             </a:r>
           </a:p>
           <a:p>
             <a:pPr lvl="4"/>
             <a:r>
-              <a:rPr lang="ko-KR" altLang="en-US" smtClean="0"/>
+              <a:rPr lang="ko-KR" altLang="en-US"/>
               <a:t>다섯째 수준</a:t>
             </a:r>
-            <a:endParaRPr lang="ko-KR" altLang="en-US"/>
           </a:p>
         </p:txBody>
       </p:sp>
@@ -781,7 +773,7 @@
             <a:fld id="{CF8179D7-D033-41D0-A6BF-A7F2D307D978}" type="datetimeFigureOut">
               <a:rPr lang="ko-KR" altLang="en-US" smtClean="0"/>
               <a:pPr/>
-              <a:t>2016-05-23</a:t>
+              <a:t>2016-05-24</a:t>
             </a:fld>
             <a:endParaRPr lang="ko-KR" altLang="en-US"/>
           </a:p>
@@ -833,7 +825,7 @@
     </p:spTree>
     <p:extLst>
       <p:ext uri="{BB962C8B-B14F-4D97-AF65-F5344CB8AC3E}">
-        <p14:creationId xmlns="" xmlns:p14="http://schemas.microsoft.com/office/powerpoint/2010/main" val="983833365"/>
+        <p14:creationId xmlns:p14="http://schemas.microsoft.com/office/powerpoint/2010/main" val="983833365"/>
       </p:ext>
     </p:extLst>
   </p:cSld>
@@ -885,10 +877,9 @@
           </a:lstStyle>
           <a:p>
             <a:r>
-              <a:rPr lang="ko-KR" altLang="en-US" smtClean="0"/>
+              <a:rPr lang="ko-KR" altLang="en-US"/>
               <a:t>마스터 제목 스타일 편집</a:t>
             </a:r>
-            <a:endParaRPr lang="ko-KR" altLang="en-US"/>
           </a:p>
         </p:txBody>
       </p:sp>
@@ -1005,7 +996,7 @@
           <a:p>
             <a:pPr lvl="0"/>
             <a:r>
-              <a:rPr lang="ko-KR" altLang="en-US" smtClean="0"/>
+              <a:rPr lang="ko-KR" altLang="en-US"/>
               <a:t>마스터 텍스트 스타일 편집</a:t>
             </a:r>
           </a:p>
@@ -1029,7 +1020,7 @@
             <a:fld id="{CF8179D7-D033-41D0-A6BF-A7F2D307D978}" type="datetimeFigureOut">
               <a:rPr lang="ko-KR" altLang="en-US" smtClean="0"/>
               <a:pPr/>
-              <a:t>2016-05-23</a:t>
+              <a:t>2016-05-24</a:t>
             </a:fld>
             <a:endParaRPr lang="ko-KR" altLang="en-US"/>
           </a:p>
@@ -1081,7 +1072,7 @@
     </p:spTree>
     <p:extLst>
       <p:ext uri="{BB962C8B-B14F-4D97-AF65-F5344CB8AC3E}">
-        <p14:creationId xmlns="" xmlns:p14="http://schemas.microsoft.com/office/powerpoint/2010/main" val="2162652151"/>
+        <p14:creationId xmlns:p14="http://schemas.microsoft.com/office/powerpoint/2010/main" val="2162652151"/>
       </p:ext>
     </p:extLst>
   </p:cSld>
@@ -1124,10 +1115,9 @@
           <a:lstStyle/>
           <a:p>
             <a:r>
-              <a:rPr lang="ko-KR" altLang="en-US" smtClean="0"/>
+              <a:rPr lang="ko-KR" altLang="en-US"/>
               <a:t>마스터 제목 스타일 편집</a:t>
             </a:r>
-            <a:endParaRPr lang="ko-KR" altLang="en-US"/>
           </a:p>
         </p:txBody>
       </p:sp>
@@ -1153,38 +1143,37 @@
           <a:p>
             <a:pPr lvl="0"/>
             <a:r>
-              <a:rPr lang="ko-KR" altLang="en-US" smtClean="0"/>
+              <a:rPr lang="ko-KR" altLang="en-US"/>
               <a:t>마스터 텍스트 스타일 편집</a:t>
             </a:r>
           </a:p>
           <a:p>
             <a:pPr lvl="1"/>
             <a:r>
-              <a:rPr lang="ko-KR" altLang="en-US" smtClean="0"/>
+              <a:rPr lang="ko-KR" altLang="en-US"/>
               <a:t>둘째 수준</a:t>
             </a:r>
           </a:p>
           <a:p>
             <a:pPr lvl="2"/>
             <a:r>
-              <a:rPr lang="ko-KR" altLang="en-US" smtClean="0"/>
+              <a:rPr lang="ko-KR" altLang="en-US"/>
               <a:t>셋째 수준</a:t>
             </a:r>
           </a:p>
           <a:p>
             <a:pPr lvl="3"/>
             <a:r>
-              <a:rPr lang="ko-KR" altLang="en-US" smtClean="0"/>
+              <a:rPr lang="ko-KR" altLang="en-US"/>
               <a:t>넷째 수준</a:t>
             </a:r>
           </a:p>
           <a:p>
             <a:pPr lvl="4"/>
             <a:r>
-              <a:rPr lang="ko-KR" altLang="en-US" smtClean="0"/>
+              <a:rPr lang="ko-KR" altLang="en-US"/>
               <a:t>다섯째 수준</a:t>
             </a:r>
-            <a:endParaRPr lang="ko-KR" altLang="en-US"/>
           </a:p>
         </p:txBody>
       </p:sp>
@@ -1210,38 +1199,37 @@
           <a:p>
             <a:pPr lvl="0"/>
             <a:r>
-              <a:rPr lang="ko-KR" altLang="en-US" smtClean="0"/>
+              <a:rPr lang="ko-KR" altLang="en-US"/>
               <a:t>마스터 텍스트 스타일 편집</a:t>
             </a:r>
           </a:p>
           <a:p>
             <a:pPr lvl="1"/>
             <a:r>
-              <a:rPr lang="ko-KR" altLang="en-US" smtClean="0"/>
+              <a:rPr lang="ko-KR" altLang="en-US"/>
               <a:t>둘째 수준</a:t>
             </a:r>
           </a:p>
           <a:p>
             <a:pPr lvl="2"/>
             <a:r>
-              <a:rPr lang="ko-KR" altLang="en-US" smtClean="0"/>
+              <a:rPr lang="ko-KR" altLang="en-US"/>
               <a:t>셋째 수준</a:t>
             </a:r>
           </a:p>
           <a:p>
             <a:pPr lvl="3"/>
             <a:r>
-              <a:rPr lang="ko-KR" altLang="en-US" smtClean="0"/>
+              <a:rPr lang="ko-KR" altLang="en-US"/>
               <a:t>넷째 수준</a:t>
             </a:r>
           </a:p>
           <a:p>
             <a:pPr lvl="4"/>
             <a:r>
-              <a:rPr lang="ko-KR" altLang="en-US" smtClean="0"/>
+              <a:rPr lang="ko-KR" altLang="en-US"/>
               <a:t>다섯째 수준</a:t>
             </a:r>
-            <a:endParaRPr lang="ko-KR" altLang="en-US"/>
           </a:p>
         </p:txBody>
       </p:sp>
@@ -1263,7 +1251,7 @@
             <a:fld id="{CF8179D7-D033-41D0-A6BF-A7F2D307D978}" type="datetimeFigureOut">
               <a:rPr lang="ko-KR" altLang="en-US" smtClean="0"/>
               <a:pPr/>
-              <a:t>2016-05-23</a:t>
+              <a:t>2016-05-24</a:t>
             </a:fld>
             <a:endParaRPr lang="ko-KR" altLang="en-US"/>
           </a:p>
@@ -1315,7 +1303,7 @@
     </p:spTree>
     <p:extLst>
       <p:ext uri="{BB962C8B-B14F-4D97-AF65-F5344CB8AC3E}">
-        <p14:creationId xmlns="" xmlns:p14="http://schemas.microsoft.com/office/powerpoint/2010/main" val="2939968487"/>
+        <p14:creationId xmlns:p14="http://schemas.microsoft.com/office/powerpoint/2010/main" val="2939968487"/>
       </p:ext>
     </p:extLst>
   </p:cSld>
@@ -1363,10 +1351,9 @@
           <a:lstStyle/>
           <a:p>
             <a:r>
-              <a:rPr lang="ko-KR" altLang="en-US" smtClean="0"/>
+              <a:rPr lang="ko-KR" altLang="en-US"/>
               <a:t>마스터 제목 스타일 편집</a:t>
             </a:r>
-            <a:endParaRPr lang="ko-KR" altLang="en-US"/>
           </a:p>
         </p:txBody>
       </p:sp>
@@ -1429,7 +1416,7 @@
           <a:p>
             <a:pPr lvl="0"/>
             <a:r>
-              <a:rPr lang="ko-KR" altLang="en-US" smtClean="0"/>
+              <a:rPr lang="ko-KR" altLang="en-US"/>
               <a:t>마스터 텍스트 스타일 편집</a:t>
             </a:r>
           </a:p>
@@ -1457,38 +1444,37 @@
           <a:p>
             <a:pPr lvl="0"/>
             <a:r>
-              <a:rPr lang="ko-KR" altLang="en-US" smtClean="0"/>
+              <a:rPr lang="ko-KR" altLang="en-US"/>
               <a:t>마스터 텍스트 스타일 편집</a:t>
             </a:r>
           </a:p>
           <a:p>
             <a:pPr lvl="1"/>
             <a:r>
-              <a:rPr lang="ko-KR" altLang="en-US" smtClean="0"/>
+              <a:rPr lang="ko-KR" altLang="en-US"/>
               <a:t>둘째 수준</a:t>
             </a:r>
           </a:p>
           <a:p>
             <a:pPr lvl="2"/>
             <a:r>
-              <a:rPr lang="ko-KR" altLang="en-US" smtClean="0"/>
+              <a:rPr lang="ko-KR" altLang="en-US"/>
               <a:t>셋째 수준</a:t>
             </a:r>
           </a:p>
           <a:p>
             <a:pPr lvl="3"/>
             <a:r>
-              <a:rPr lang="ko-KR" altLang="en-US" smtClean="0"/>
+              <a:rPr lang="ko-KR" altLang="en-US"/>
               <a:t>넷째 수준</a:t>
             </a:r>
           </a:p>
           <a:p>
             <a:pPr lvl="4"/>
             <a:r>
-              <a:rPr lang="ko-KR" altLang="en-US" smtClean="0"/>
+              <a:rPr lang="ko-KR" altLang="en-US"/>
               <a:t>다섯째 수준</a:t>
             </a:r>
-            <a:endParaRPr lang="ko-KR" altLang="en-US"/>
           </a:p>
         </p:txBody>
       </p:sp>
@@ -1551,7 +1537,7 @@
           <a:p>
             <a:pPr lvl="0"/>
             <a:r>
-              <a:rPr lang="ko-KR" altLang="en-US" smtClean="0"/>
+              <a:rPr lang="ko-KR" altLang="en-US"/>
               <a:t>마스터 텍스트 스타일 편집</a:t>
             </a:r>
           </a:p>
@@ -1579,38 +1565,37 @@
           <a:p>
             <a:pPr lvl="0"/>
             <a:r>
-              <a:rPr lang="ko-KR" altLang="en-US" smtClean="0"/>
+              <a:rPr lang="ko-KR" altLang="en-US"/>
               <a:t>마스터 텍스트 스타일 편집</a:t>
             </a:r>
           </a:p>
           <a:p>
             <a:pPr lvl="1"/>
             <a:r>
-              <a:rPr lang="ko-KR" altLang="en-US" smtClean="0"/>
+              <a:rPr lang="ko-KR" altLang="en-US"/>
               <a:t>둘째 수준</a:t>
             </a:r>
           </a:p>
           <a:p>
             <a:pPr lvl="2"/>
             <a:r>
-              <a:rPr lang="ko-KR" altLang="en-US" smtClean="0"/>
+              <a:rPr lang="ko-KR" altLang="en-US"/>
               <a:t>셋째 수준</a:t>
             </a:r>
           </a:p>
           <a:p>
             <a:pPr lvl="3"/>
             <a:r>
-              <a:rPr lang="ko-KR" altLang="en-US" smtClean="0"/>
+              <a:rPr lang="ko-KR" altLang="en-US"/>
               <a:t>넷째 수준</a:t>
             </a:r>
           </a:p>
           <a:p>
             <a:pPr lvl="4"/>
             <a:r>
-              <a:rPr lang="ko-KR" altLang="en-US" smtClean="0"/>
+              <a:rPr lang="ko-KR" altLang="en-US"/>
               <a:t>다섯째 수준</a:t>
             </a:r>
-            <a:endParaRPr lang="ko-KR" altLang="en-US"/>
           </a:p>
         </p:txBody>
       </p:sp>
@@ -1632,7 +1617,7 @@
             <a:fld id="{CF8179D7-D033-41D0-A6BF-A7F2D307D978}" type="datetimeFigureOut">
               <a:rPr lang="ko-KR" altLang="en-US" smtClean="0"/>
               <a:pPr/>
-              <a:t>2016-05-23</a:t>
+              <a:t>2016-05-24</a:t>
             </a:fld>
             <a:endParaRPr lang="ko-KR" altLang="en-US"/>
           </a:p>
@@ -1684,7 +1669,7 @@
     </p:spTree>
     <p:extLst>
       <p:ext uri="{BB962C8B-B14F-4D97-AF65-F5344CB8AC3E}">
-        <p14:creationId xmlns="" xmlns:p14="http://schemas.microsoft.com/office/powerpoint/2010/main" val="1935285143"/>
+        <p14:creationId xmlns:p14="http://schemas.microsoft.com/office/powerpoint/2010/main" val="1935285143"/>
       </p:ext>
     </p:extLst>
   </p:cSld>
@@ -1727,10 +1712,9 @@
           <a:lstStyle/>
           <a:p>
             <a:r>
-              <a:rPr lang="ko-KR" altLang="en-US" smtClean="0"/>
+              <a:rPr lang="ko-KR" altLang="en-US"/>
               <a:t>마스터 제목 스타일 편집</a:t>
             </a:r>
-            <a:endParaRPr lang="ko-KR" altLang="en-US"/>
           </a:p>
         </p:txBody>
       </p:sp>
@@ -1752,7 +1736,7 @@
             <a:fld id="{CF8179D7-D033-41D0-A6BF-A7F2D307D978}" type="datetimeFigureOut">
               <a:rPr lang="ko-KR" altLang="en-US" smtClean="0"/>
               <a:pPr/>
-              <a:t>2016-05-23</a:t>
+              <a:t>2016-05-24</a:t>
             </a:fld>
             <a:endParaRPr lang="ko-KR" altLang="en-US"/>
           </a:p>
@@ -1804,7 +1788,7 @@
     </p:spTree>
     <p:extLst>
       <p:ext uri="{BB962C8B-B14F-4D97-AF65-F5344CB8AC3E}">
-        <p14:creationId xmlns="" xmlns:p14="http://schemas.microsoft.com/office/powerpoint/2010/main" val="4028161610"/>
+        <p14:creationId xmlns:p14="http://schemas.microsoft.com/office/powerpoint/2010/main" val="4028161610"/>
       </p:ext>
     </p:extLst>
   </p:cSld>
@@ -1849,7 +1833,7 @@
             <a:fld id="{CF8179D7-D033-41D0-A6BF-A7F2D307D978}" type="datetimeFigureOut">
               <a:rPr lang="ko-KR" altLang="en-US" smtClean="0"/>
               <a:pPr/>
-              <a:t>2016-05-23</a:t>
+              <a:t>2016-05-24</a:t>
             </a:fld>
             <a:endParaRPr lang="ko-KR" altLang="en-US"/>
           </a:p>
@@ -1901,7 +1885,7 @@
     </p:spTree>
     <p:extLst>
       <p:ext uri="{BB962C8B-B14F-4D97-AF65-F5344CB8AC3E}">
-        <p14:creationId xmlns="" xmlns:p14="http://schemas.microsoft.com/office/powerpoint/2010/main" val="533877745"/>
+        <p14:creationId xmlns:p14="http://schemas.microsoft.com/office/powerpoint/2010/main" val="533877745"/>
       </p:ext>
     </p:extLst>
   </p:cSld>
@@ -1953,10 +1937,9 @@
           </a:lstStyle>
           <a:p>
             <a:r>
-              <a:rPr lang="ko-KR" altLang="en-US" smtClean="0"/>
+              <a:rPr lang="ko-KR" altLang="en-US"/>
               <a:t>마스터 제목 스타일 편집</a:t>
             </a:r>
-            <a:endParaRPr lang="ko-KR" altLang="en-US"/>
           </a:p>
         </p:txBody>
       </p:sp>
@@ -2010,38 +1993,37 @@
           <a:p>
             <a:pPr lvl="0"/>
             <a:r>
-              <a:rPr lang="ko-KR" altLang="en-US" smtClean="0"/>
+              <a:rPr lang="ko-KR" altLang="en-US"/>
               <a:t>마스터 텍스트 스타일 편집</a:t>
             </a:r>
           </a:p>
           <a:p>
             <a:pPr lvl="1"/>
             <a:r>
-              <a:rPr lang="ko-KR" altLang="en-US" smtClean="0"/>
+              <a:rPr lang="ko-KR" altLang="en-US"/>
               <a:t>둘째 수준</a:t>
             </a:r>
           </a:p>
           <a:p>
             <a:pPr lvl="2"/>
             <a:r>
-              <a:rPr lang="ko-KR" altLang="en-US" smtClean="0"/>
+              <a:rPr lang="ko-KR" altLang="en-US"/>
               <a:t>셋째 수준</a:t>
             </a:r>
           </a:p>
           <a:p>
             <a:pPr lvl="3"/>
             <a:r>
-              <a:rPr lang="ko-KR" altLang="en-US" smtClean="0"/>
+              <a:rPr lang="ko-KR" altLang="en-US"/>
               <a:t>넷째 수준</a:t>
             </a:r>
           </a:p>
           <a:p>
             <a:pPr lvl="4"/>
             <a:r>
-              <a:rPr lang="ko-KR" altLang="en-US" smtClean="0"/>
+              <a:rPr lang="ko-KR" altLang="en-US"/>
               <a:t>다섯째 수준</a:t>
             </a:r>
-            <a:endParaRPr lang="ko-KR" altLang="en-US"/>
           </a:p>
         </p:txBody>
       </p:sp>
@@ -2104,7 +2086,7 @@
           <a:p>
             <a:pPr lvl="0"/>
             <a:r>
-              <a:rPr lang="ko-KR" altLang="en-US" smtClean="0"/>
+              <a:rPr lang="ko-KR" altLang="en-US"/>
               <a:t>마스터 텍스트 스타일 편집</a:t>
             </a:r>
           </a:p>
@@ -2128,7 +2110,7 @@
             <a:fld id="{CF8179D7-D033-41D0-A6BF-A7F2D307D978}" type="datetimeFigureOut">
               <a:rPr lang="ko-KR" altLang="en-US" smtClean="0"/>
               <a:pPr/>
-              <a:t>2016-05-23</a:t>
+              <a:t>2016-05-24</a:t>
             </a:fld>
             <a:endParaRPr lang="ko-KR" altLang="en-US"/>
           </a:p>
@@ -2180,7 +2162,7 @@
     </p:spTree>
     <p:extLst>
       <p:ext uri="{BB962C8B-B14F-4D97-AF65-F5344CB8AC3E}">
-        <p14:creationId xmlns="" xmlns:p14="http://schemas.microsoft.com/office/powerpoint/2010/main" val="375463500"/>
+        <p14:creationId xmlns:p14="http://schemas.microsoft.com/office/powerpoint/2010/main" val="375463500"/>
       </p:ext>
     </p:extLst>
   </p:cSld>
@@ -2232,10 +2214,9 @@
           </a:lstStyle>
           <a:p>
             <a:r>
-              <a:rPr lang="ko-KR" altLang="en-US" smtClean="0"/>
+              <a:rPr lang="ko-KR" altLang="en-US"/>
               <a:t>마스터 제목 스타일 편집</a:t>
             </a:r>
-            <a:endParaRPr lang="ko-KR" altLang="en-US"/>
           </a:p>
         </p:txBody>
       </p:sp>
@@ -2359,7 +2340,7 @@
           <a:p>
             <a:pPr lvl="0"/>
             <a:r>
-              <a:rPr lang="ko-KR" altLang="en-US" smtClean="0"/>
+              <a:rPr lang="ko-KR" altLang="en-US"/>
               <a:t>마스터 텍스트 스타일 편집</a:t>
             </a:r>
           </a:p>
@@ -2383,7 +2364,7 @@
             <a:fld id="{CF8179D7-D033-41D0-A6BF-A7F2D307D978}" type="datetimeFigureOut">
               <a:rPr lang="ko-KR" altLang="en-US" smtClean="0"/>
               <a:pPr/>
-              <a:t>2016-05-23</a:t>
+              <a:t>2016-05-24</a:t>
             </a:fld>
             <a:endParaRPr lang="ko-KR" altLang="en-US"/>
           </a:p>
@@ -2435,7 +2416,7 @@
     </p:spTree>
     <p:extLst>
       <p:ext uri="{BB962C8B-B14F-4D97-AF65-F5344CB8AC3E}">
-        <p14:creationId xmlns="" xmlns:p14="http://schemas.microsoft.com/office/powerpoint/2010/main" val="2749604664"/>
+        <p14:creationId xmlns:p14="http://schemas.microsoft.com/office/powerpoint/2010/main" val="2749604664"/>
       </p:ext>
     </p:extLst>
   </p:cSld>
@@ -2493,10 +2474,9 @@
           <a:lstStyle/>
           <a:p>
             <a:r>
-              <a:rPr lang="ko-KR" altLang="en-US" smtClean="0"/>
+              <a:rPr lang="ko-KR" altLang="en-US"/>
               <a:t>마스터 제목 스타일 편집</a:t>
             </a:r>
-            <a:endParaRPr lang="ko-KR" altLang="en-US"/>
           </a:p>
         </p:txBody>
       </p:sp>
@@ -2527,38 +2507,37 @@
           <a:p>
             <a:pPr lvl="0"/>
             <a:r>
-              <a:rPr lang="ko-KR" altLang="en-US" smtClean="0"/>
+              <a:rPr lang="ko-KR" altLang="en-US"/>
               <a:t>마스터 텍스트 스타일 편집</a:t>
             </a:r>
           </a:p>
           <a:p>
             <a:pPr lvl="1"/>
             <a:r>
-              <a:rPr lang="ko-KR" altLang="en-US" smtClean="0"/>
+              <a:rPr lang="ko-KR" altLang="en-US"/>
               <a:t>둘째 수준</a:t>
             </a:r>
           </a:p>
           <a:p>
             <a:pPr lvl="2"/>
             <a:r>
-              <a:rPr lang="ko-KR" altLang="en-US" smtClean="0"/>
+              <a:rPr lang="ko-KR" altLang="en-US"/>
               <a:t>셋째 수준</a:t>
             </a:r>
           </a:p>
           <a:p>
             <a:pPr lvl="3"/>
             <a:r>
-              <a:rPr lang="ko-KR" altLang="en-US" smtClean="0"/>
+              <a:rPr lang="ko-KR" altLang="en-US"/>
               <a:t>넷째 수준</a:t>
             </a:r>
           </a:p>
           <a:p>
             <a:pPr lvl="4"/>
             <a:r>
-              <a:rPr lang="ko-KR" altLang="en-US" smtClean="0"/>
+              <a:rPr lang="ko-KR" altLang="en-US"/>
               <a:t>다섯째 수준</a:t>
             </a:r>
-            <a:endParaRPr lang="ko-KR" altLang="en-US"/>
           </a:p>
         </p:txBody>
       </p:sp>
@@ -2598,7 +2577,7 @@
             <a:fld id="{CF8179D7-D033-41D0-A6BF-A7F2D307D978}" type="datetimeFigureOut">
               <a:rPr lang="ko-KR" altLang="en-US" smtClean="0"/>
               <a:pPr/>
-              <a:t>2016-05-23</a:t>
+              <a:t>2016-05-24</a:t>
             </a:fld>
             <a:endParaRPr lang="ko-KR" altLang="en-US"/>
           </a:p>
@@ -2686,7 +2665,7 @@
     </p:spTree>
     <p:extLst>
       <p:ext uri="{BB962C8B-B14F-4D97-AF65-F5344CB8AC3E}">
-        <p14:creationId xmlns="" xmlns:p14="http://schemas.microsoft.com/office/powerpoint/2010/main" val="3032075931"/>
+        <p14:creationId xmlns:p14="http://schemas.microsoft.com/office/powerpoint/2010/main" val="3032075931"/>
       </p:ext>
     </p:extLst>
   </p:cSld>
@@ -3006,13 +2985,13 @@
       </p:grpSpPr>
       <p:sp>
         <p:nvSpPr>
-          <p:cNvPr id="5" name="직사각형 4"/>
+          <p:cNvPr id="21" name="직사각형 20"/>
           <p:cNvSpPr/>
           <p:nvPr/>
         </p:nvSpPr>
         <p:spPr>
           <a:xfrm>
-            <a:off x="1047681" y="4253442"/>
+            <a:off x="4567058" y="253828"/>
             <a:ext cx="1556992" cy="726131"/>
           </a:xfrm>
           <a:prstGeom prst="rect">
@@ -3049,83 +3028,25 @@
           <a:p>
             <a:pPr algn="ctr"/>
             <a:r>
-              <a:rPr lang="ko-KR" altLang="en-US" sz="1100" dirty="0" smtClean="0">
+              <a:rPr lang="ko-KR" altLang="en-US" sz="1100" dirty="0">
                 <a:solidFill>
                   <a:sysClr val="windowText" lastClr="000000"/>
                 </a:solidFill>
               </a:rPr>
-              <a:t>강의평가 </a:t>
-            </a:r>
-            <a:r>
-              <a:rPr lang="ko-KR" altLang="en-US" sz="1100" dirty="0" smtClean="0">
-                <a:solidFill>
-                  <a:sysClr val="windowText" lastClr="000000"/>
-                </a:solidFill>
-              </a:rPr>
-              <a:t>질문 등록 </a:t>
-            </a:r>
-            <a:r>
-              <a:rPr lang="ko-KR" altLang="en-US" sz="1100" dirty="0" smtClean="0">
-                <a:solidFill>
-                  <a:sysClr val="windowText" lastClr="000000"/>
-                </a:solidFill>
-              </a:rPr>
-              <a:t>정보 입력</a:t>
-            </a:r>
-            <a:endParaRPr lang="ko-KR" altLang="en-US" sz="1100" dirty="0">
-              <a:solidFill>
-                <a:sysClr val="windowText" lastClr="000000"/>
-              </a:solidFill>
-            </a:endParaRPr>
-          </a:p>
-        </p:txBody>
-      </p:sp>
-      <p:cxnSp>
-        <p:nvCxnSpPr>
-          <p:cNvPr id="7" name="직선 화살표 연결선 6"/>
-          <p:cNvCxnSpPr>
-            <a:stCxn id="21" idx="2"/>
-            <a:endCxn id="5" idx="0"/>
-          </p:cNvCxnSpPr>
-          <p:nvPr/>
-        </p:nvCxnSpPr>
-        <p:spPr>
-          <a:xfrm flipH="1">
-            <a:off x="1826177" y="1702973"/>
-            <a:ext cx="3171859" cy="2550469"/>
-          </a:xfrm>
-          <a:prstGeom prst="straightConnector1">
-            <a:avLst/>
-          </a:prstGeom>
-          <a:ln w="38100">
-            <a:headEnd w="lg" len="lg"/>
-            <a:tailEnd type="triangle"/>
-          </a:ln>
-        </p:spPr>
-        <p:style>
-          <a:lnRef idx="1">
-            <a:schemeClr val="accent1"/>
-          </a:lnRef>
-          <a:fillRef idx="0">
-            <a:schemeClr val="accent1"/>
-          </a:fillRef>
-          <a:effectRef idx="0">
-            <a:schemeClr val="accent1"/>
-          </a:effectRef>
-          <a:fontRef idx="minor">
-            <a:schemeClr val="tx1"/>
-          </a:fontRef>
-        </p:style>
-      </p:cxnSp>
-      <p:sp>
-        <p:nvSpPr>
-          <p:cNvPr id="10" name="직사각형 9"/>
+              <a:t>강의평가 질문 등록</a:t>
+            </a:r>
+          </a:p>
+        </p:txBody>
+      </p:sp>
+      <p:sp>
+        <p:nvSpPr>
+          <p:cNvPr id="38" name="직사각형 37"/>
           <p:cNvSpPr/>
           <p:nvPr/>
         </p:nvSpPr>
         <p:spPr>
           <a:xfrm>
-            <a:off x="4219540" y="4262967"/>
+            <a:off x="4237449" y="5936215"/>
             <a:ext cx="1556992" cy="726131"/>
           </a:xfrm>
           <a:prstGeom prst="rect">
@@ -3162,50 +3083,28 @@
           <a:p>
             <a:pPr algn="ctr"/>
             <a:r>
-              <a:rPr lang="ko-KR" altLang="en-US" sz="1100" dirty="0" smtClean="0">
+              <a:rPr lang="ko-KR" altLang="en-US" sz="1100" dirty="0">
                 <a:solidFill>
                   <a:sysClr val="windowText" lastClr="000000"/>
                 </a:solidFill>
               </a:rPr>
-              <a:t>강의평가 질문 </a:t>
-            </a:r>
-            <a:endParaRPr lang="en-US" altLang="ko-KR" sz="1100" dirty="0" smtClean="0">
-              <a:solidFill>
-                <a:sysClr val="windowText" lastClr="000000"/>
-              </a:solidFill>
-            </a:endParaRPr>
-          </a:p>
-          <a:p>
-            <a:pPr algn="ctr"/>
-            <a:r>
-              <a:rPr lang="ko-KR" altLang="en-US" sz="1100" dirty="0" smtClean="0">
-                <a:solidFill>
-                  <a:sysClr val="windowText" lastClr="000000"/>
-                </a:solidFill>
-              </a:rPr>
-              <a:t>등록 처리</a:t>
-            </a:r>
-            <a:endParaRPr lang="ko-KR" altLang="en-US" sz="1100" dirty="0">
-              <a:solidFill>
-                <a:sysClr val="windowText" lastClr="000000"/>
-              </a:solidFill>
-            </a:endParaRPr>
+              <a:t>강의평가 질문 등록 정보 입력</a:t>
+            </a:r>
           </a:p>
         </p:txBody>
       </p:sp>
       <p:cxnSp>
         <p:nvCxnSpPr>
-          <p:cNvPr id="12" name="직선 화살표 연결선 11"/>
+          <p:cNvPr id="39" name="직선 화살표 연결선 38"/>
           <p:cNvCxnSpPr>
-            <a:stCxn id="21" idx="2"/>
-            <a:endCxn id="10" idx="0"/>
+            <a:endCxn id="38" idx="0"/>
           </p:cNvCxnSpPr>
           <p:nvPr/>
         </p:nvCxnSpPr>
         <p:spPr>
-          <a:xfrm>
-            <a:off x="4998036" y="1702973"/>
-            <a:ext cx="0" cy="2559994"/>
+          <a:xfrm flipH="1">
+            <a:off x="5015945" y="3385746"/>
+            <a:ext cx="3171859" cy="2550469"/>
           </a:xfrm>
           <a:prstGeom prst="straightConnector1">
             <a:avLst/>
@@ -3230,397 +3129,15 @@
           </a:fontRef>
         </p:style>
       </p:cxnSp>
-      <p:grpSp>
-        <p:nvGrpSpPr>
-          <p:cNvPr id="28" name="그룹 27"/>
-          <p:cNvGrpSpPr/>
-          <p:nvPr/>
-        </p:nvGrpSpPr>
-        <p:grpSpPr>
-          <a:xfrm rot="343646">
-            <a:off x="6353464" y="2756230"/>
-            <a:ext cx="465295" cy="429840"/>
-            <a:chOff x="5764817" y="2081712"/>
-            <a:chExt cx="465295" cy="429840"/>
-          </a:xfrm>
-        </p:grpSpPr>
-        <p:sp>
-          <p:nvSpPr>
-            <p:cNvPr id="22" name="타원 21"/>
-            <p:cNvSpPr/>
-            <p:nvPr/>
-          </p:nvSpPr>
-          <p:spPr>
-            <a:xfrm>
-              <a:off x="5764817" y="2081712"/>
-              <a:ext cx="254984" cy="254984"/>
-            </a:xfrm>
-            <a:prstGeom prst="ellipse">
-              <a:avLst/>
-            </a:prstGeom>
-            <a:noFill/>
-            <a:ln w="38100">
-              <a:solidFill>
-                <a:schemeClr val="accent1"/>
-              </a:solidFill>
-            </a:ln>
-          </p:spPr>
-          <p:style>
-            <a:lnRef idx="2">
-              <a:schemeClr val="accent1">
-                <a:shade val="50000"/>
-              </a:schemeClr>
-            </a:lnRef>
-            <a:fillRef idx="1">
-              <a:schemeClr val="accent1"/>
-            </a:fillRef>
-            <a:effectRef idx="0">
-              <a:schemeClr val="accent1"/>
-            </a:effectRef>
-            <a:fontRef idx="minor">
-              <a:schemeClr val="lt1"/>
-            </a:fontRef>
-          </p:style>
-          <p:txBody>
-            <a:bodyPr rtlCol="0" anchor="ctr"/>
-            <a:lstStyle/>
-            <a:p>
-              <a:pPr algn="ctr"/>
-              <a:endParaRPr lang="ko-KR" altLang="en-US"/>
-            </a:p>
-          </p:txBody>
-        </p:sp>
-        <p:cxnSp>
-          <p:nvCxnSpPr>
-            <p:cNvPr id="24" name="직선 연결선 23"/>
-            <p:cNvCxnSpPr>
-              <a:endCxn id="22" idx="5"/>
-            </p:cNvCxnSpPr>
-            <p:nvPr/>
-          </p:nvCxnSpPr>
-          <p:spPr>
-            <a:xfrm flipH="1" flipV="1">
-              <a:off x="5982459" y="2299354"/>
-              <a:ext cx="247653" cy="212198"/>
-            </a:xfrm>
-            <a:prstGeom prst="line">
-              <a:avLst/>
-            </a:prstGeom>
-            <a:ln w="38100">
-              <a:headEnd type="stealth" w="lg" len="lg"/>
-            </a:ln>
-          </p:spPr>
-          <p:style>
-            <a:lnRef idx="1">
-              <a:schemeClr val="accent1"/>
-            </a:lnRef>
-            <a:fillRef idx="0">
-              <a:schemeClr val="accent1"/>
-            </a:fillRef>
-            <a:effectRef idx="0">
-              <a:schemeClr val="accent1"/>
-            </a:effectRef>
-            <a:fontRef idx="minor">
-              <a:schemeClr val="tx1"/>
-            </a:fontRef>
-          </p:style>
-        </p:cxnSp>
-      </p:grpSp>
-      <p:sp>
-        <p:nvSpPr>
-          <p:cNvPr id="29" name="TextBox 28"/>
-          <p:cNvSpPr txBox="1"/>
-          <p:nvPr/>
-        </p:nvSpPr>
-        <p:spPr>
-          <a:xfrm rot="2620812">
-            <a:off x="6000356" y="2716920"/>
-            <a:ext cx="1729961" cy="246221"/>
-          </a:xfrm>
-          <a:prstGeom prst="rect">
-            <a:avLst/>
-          </a:prstGeom>
-          <a:noFill/>
-        </p:spPr>
-        <p:txBody>
-          <a:bodyPr wrap="none" rtlCol="0">
-            <a:spAutoFit/>
-          </a:bodyPr>
-          <a:lstStyle/>
-          <a:p>
-            <a:r>
-              <a:rPr lang="ko-KR" altLang="en-US" sz="1000" dirty="0" smtClean="0"/>
-              <a:t>등록된 강의평가 질문 정보</a:t>
-            </a:r>
-            <a:endParaRPr lang="ko-KR" altLang="en-US" sz="1000" dirty="0"/>
-          </a:p>
-        </p:txBody>
-      </p:sp>
-      <p:grpSp>
-        <p:nvGrpSpPr>
-          <p:cNvPr id="30" name="그룹 29"/>
-          <p:cNvGrpSpPr/>
-          <p:nvPr/>
-        </p:nvGrpSpPr>
-        <p:grpSpPr>
-          <a:xfrm rot="16810962">
-            <a:off x="2802995" y="2824868"/>
-            <a:ext cx="465295" cy="429840"/>
-            <a:chOff x="5764817" y="2081712"/>
-            <a:chExt cx="465295" cy="429840"/>
-          </a:xfrm>
-        </p:grpSpPr>
-        <p:sp>
-          <p:nvSpPr>
-            <p:cNvPr id="31" name="타원 30"/>
-            <p:cNvSpPr/>
-            <p:nvPr/>
-          </p:nvSpPr>
-          <p:spPr>
-            <a:xfrm>
-              <a:off x="5764817" y="2081712"/>
-              <a:ext cx="254984" cy="254984"/>
-            </a:xfrm>
-            <a:prstGeom prst="ellipse">
-              <a:avLst/>
-            </a:prstGeom>
-            <a:noFill/>
-            <a:ln w="38100">
-              <a:solidFill>
-                <a:schemeClr val="accent1"/>
-              </a:solidFill>
-            </a:ln>
-          </p:spPr>
-          <p:style>
-            <a:lnRef idx="2">
-              <a:schemeClr val="accent1">
-                <a:shade val="50000"/>
-              </a:schemeClr>
-            </a:lnRef>
-            <a:fillRef idx="1">
-              <a:schemeClr val="accent1"/>
-            </a:fillRef>
-            <a:effectRef idx="0">
-              <a:schemeClr val="accent1"/>
-            </a:effectRef>
-            <a:fontRef idx="minor">
-              <a:schemeClr val="lt1"/>
-            </a:fontRef>
-          </p:style>
-          <p:txBody>
-            <a:bodyPr rtlCol="0" anchor="ctr"/>
-            <a:lstStyle/>
-            <a:p>
-              <a:pPr algn="ctr"/>
-              <a:endParaRPr lang="ko-KR" altLang="en-US"/>
-            </a:p>
-          </p:txBody>
-        </p:sp>
-        <p:cxnSp>
-          <p:nvCxnSpPr>
-            <p:cNvPr id="32" name="직선 연결선 31"/>
-            <p:cNvCxnSpPr>
-              <a:endCxn id="31" idx="5"/>
-            </p:cNvCxnSpPr>
-            <p:nvPr/>
-          </p:nvCxnSpPr>
-          <p:spPr>
-            <a:xfrm flipH="1" flipV="1">
-              <a:off x="5982459" y="2299354"/>
-              <a:ext cx="247653" cy="212198"/>
-            </a:xfrm>
-            <a:prstGeom prst="line">
-              <a:avLst/>
-            </a:prstGeom>
-            <a:ln w="38100">
-              <a:headEnd type="stealth" w="lg" len="lg"/>
-            </a:ln>
-          </p:spPr>
-          <p:style>
-            <a:lnRef idx="1">
-              <a:schemeClr val="accent1"/>
-            </a:lnRef>
-            <a:fillRef idx="0">
-              <a:schemeClr val="accent1"/>
-            </a:fillRef>
-            <a:effectRef idx="0">
-              <a:schemeClr val="accent1"/>
-            </a:effectRef>
-            <a:fontRef idx="minor">
-              <a:schemeClr val="tx1"/>
-            </a:fontRef>
-          </p:style>
-        </p:cxnSp>
-      </p:grpSp>
-      <p:sp>
-        <p:nvSpPr>
-          <p:cNvPr id="33" name="TextBox 32"/>
-          <p:cNvSpPr txBox="1"/>
-          <p:nvPr/>
-        </p:nvSpPr>
-        <p:spPr>
-          <a:xfrm rot="19241942">
-            <a:off x="1975385" y="2751674"/>
-            <a:ext cx="1646605" cy="246221"/>
-          </a:xfrm>
-          <a:prstGeom prst="rect">
-            <a:avLst/>
-          </a:prstGeom>
-          <a:noFill/>
-        </p:spPr>
-        <p:txBody>
-          <a:bodyPr wrap="none" rtlCol="0">
-            <a:spAutoFit/>
-          </a:bodyPr>
-          <a:lstStyle/>
-          <a:p>
-            <a:r>
-              <a:rPr lang="ko-KR" altLang="en-US" sz="1000" dirty="0" smtClean="0"/>
-              <a:t>강의 평가 질문 등록 정보</a:t>
-            </a:r>
-            <a:endParaRPr lang="ko-KR" altLang="en-US" sz="1000" dirty="0"/>
-          </a:p>
-        </p:txBody>
-      </p:sp>
-      <p:grpSp>
-        <p:nvGrpSpPr>
-          <p:cNvPr id="34" name="그룹 33"/>
-          <p:cNvGrpSpPr/>
-          <p:nvPr/>
-        </p:nvGrpSpPr>
-        <p:grpSpPr>
-          <a:xfrm rot="2871786">
-            <a:off x="4601421" y="3001293"/>
-            <a:ext cx="465295" cy="429840"/>
-            <a:chOff x="5764817" y="2081712"/>
-            <a:chExt cx="465295" cy="429840"/>
-          </a:xfrm>
-        </p:grpSpPr>
-        <p:sp>
-          <p:nvSpPr>
-            <p:cNvPr id="35" name="타원 34"/>
-            <p:cNvSpPr/>
-            <p:nvPr/>
-          </p:nvSpPr>
-          <p:spPr>
-            <a:xfrm>
-              <a:off x="5764817" y="2081712"/>
-              <a:ext cx="254984" cy="254984"/>
-            </a:xfrm>
-            <a:prstGeom prst="ellipse">
-              <a:avLst/>
-            </a:prstGeom>
-            <a:noFill/>
-            <a:ln w="38100">
-              <a:solidFill>
-                <a:schemeClr val="accent1"/>
-              </a:solidFill>
-            </a:ln>
-          </p:spPr>
-          <p:style>
-            <a:lnRef idx="2">
-              <a:schemeClr val="accent1">
-                <a:shade val="50000"/>
-              </a:schemeClr>
-            </a:lnRef>
-            <a:fillRef idx="1">
-              <a:schemeClr val="accent1"/>
-            </a:fillRef>
-            <a:effectRef idx="0">
-              <a:schemeClr val="accent1"/>
-            </a:effectRef>
-            <a:fontRef idx="minor">
-              <a:schemeClr val="lt1"/>
-            </a:fontRef>
-          </p:style>
-          <p:txBody>
-            <a:bodyPr rtlCol="0" anchor="ctr"/>
-            <a:lstStyle/>
-            <a:p>
-              <a:pPr algn="ctr"/>
-              <a:endParaRPr lang="ko-KR" altLang="en-US"/>
-            </a:p>
-          </p:txBody>
-        </p:sp>
-        <p:cxnSp>
-          <p:nvCxnSpPr>
-            <p:cNvPr id="36" name="직선 연결선 35"/>
-            <p:cNvCxnSpPr>
-              <a:endCxn id="35" idx="5"/>
-            </p:cNvCxnSpPr>
-            <p:nvPr/>
-          </p:nvCxnSpPr>
-          <p:spPr>
-            <a:xfrm flipH="1" flipV="1">
-              <a:off x="5982459" y="2299354"/>
-              <a:ext cx="247653" cy="212198"/>
-            </a:xfrm>
-            <a:prstGeom prst="line">
-              <a:avLst/>
-            </a:prstGeom>
-            <a:ln w="38100">
-              <a:headEnd type="stealth" w="lg" len="lg"/>
-            </a:ln>
-          </p:spPr>
-          <p:style>
-            <a:lnRef idx="1">
-              <a:schemeClr val="accent1"/>
-            </a:lnRef>
-            <a:fillRef idx="0">
-              <a:schemeClr val="accent1"/>
-            </a:fillRef>
-            <a:effectRef idx="0">
-              <a:schemeClr val="accent1"/>
-            </a:effectRef>
-            <a:fontRef idx="minor">
-              <a:schemeClr val="tx1"/>
-            </a:fontRef>
-          </p:style>
-        </p:cxnSp>
-      </p:grpSp>
-      <p:sp>
-        <p:nvSpPr>
-          <p:cNvPr id="37" name="TextBox 36"/>
-          <p:cNvSpPr txBox="1"/>
-          <p:nvPr/>
-        </p:nvSpPr>
-        <p:spPr>
-          <a:xfrm rot="16200000">
-            <a:off x="3712573" y="3088261"/>
-            <a:ext cx="1729961" cy="246221"/>
-          </a:xfrm>
-          <a:prstGeom prst="rect">
-            <a:avLst/>
-          </a:prstGeom>
-          <a:noFill/>
-        </p:spPr>
-        <p:txBody>
-          <a:bodyPr wrap="none" rtlCol="0">
-            <a:spAutoFit/>
-          </a:bodyPr>
-          <a:lstStyle/>
-          <a:p>
-            <a:r>
-              <a:rPr lang="ko-KR" altLang="en-US" sz="1000" dirty="0" smtClean="0"/>
-              <a:t>등록할 강의평가 </a:t>
-            </a:r>
-            <a:r>
-              <a:rPr lang="ko-KR" altLang="en-US" sz="1000" dirty="0" smtClean="0"/>
-              <a:t>질문 정보</a:t>
-            </a:r>
-            <a:endParaRPr lang="ko-KR" altLang="en-US" sz="1000" dirty="0"/>
-          </a:p>
-        </p:txBody>
-      </p:sp>
-      <p:sp>
-        <p:nvSpPr>
-          <p:cNvPr id="21" name="직사각형 20"/>
+      <p:sp>
+        <p:nvSpPr>
+          <p:cNvPr id="40" name="직사각형 39"/>
           <p:cNvSpPr/>
           <p:nvPr/>
         </p:nvSpPr>
         <p:spPr>
           <a:xfrm>
-            <a:off x="4219540" y="976842"/>
+            <a:off x="7409308" y="5945740"/>
             <a:ext cx="1556992" cy="726131"/>
           </a:xfrm>
           <a:prstGeom prst="rect">
@@ -3657,54 +3174,452 @@
           <a:p>
             <a:pPr algn="ctr"/>
             <a:r>
-              <a:rPr lang="ko-KR" altLang="en-US" sz="1100" dirty="0" smtClean="0">
+              <a:rPr lang="ko-KR" altLang="en-US" sz="1100" dirty="0">
                 <a:solidFill>
                   <a:sysClr val="windowText" lastClr="000000"/>
                 </a:solidFill>
               </a:rPr>
-              <a:t>강의평가 </a:t>
-            </a:r>
-            <a:r>
-              <a:rPr lang="ko-KR" altLang="en-US" sz="1100" dirty="0" smtClean="0">
+              <a:t>강의평가 질문 </a:t>
+            </a:r>
+            <a:endParaRPr lang="en-US" altLang="ko-KR" sz="1100" dirty="0">
+              <a:solidFill>
+                <a:sysClr val="windowText" lastClr="000000"/>
+              </a:solidFill>
+            </a:endParaRPr>
+          </a:p>
+          <a:p>
+            <a:pPr algn="ctr"/>
+            <a:r>
+              <a:rPr lang="ko-KR" altLang="en-US" sz="1100" dirty="0">
                 <a:solidFill>
                   <a:sysClr val="windowText" lastClr="000000"/>
                 </a:solidFill>
               </a:rPr>
-              <a:t>질문 </a:t>
-            </a:r>
-            <a:r>
-              <a:rPr lang="ko-KR" altLang="en-US" sz="1100" dirty="0" smtClean="0">
-                <a:solidFill>
-                  <a:sysClr val="windowText" lastClr="000000"/>
-                </a:solidFill>
-              </a:rPr>
-              <a:t>등</a:t>
-            </a:r>
-            <a:r>
-              <a:rPr lang="ko-KR" altLang="en-US" sz="1100" dirty="0" smtClean="0">
-                <a:solidFill>
-                  <a:sysClr val="windowText" lastClr="000000"/>
-                </a:solidFill>
-              </a:rPr>
-              <a:t>록</a:t>
-            </a:r>
-            <a:endParaRPr lang="ko-KR" altLang="en-US" sz="1100" dirty="0">
-              <a:solidFill>
-                <a:sysClr val="windowText" lastClr="000000"/>
-              </a:solidFill>
-            </a:endParaRPr>
-          </a:p>
-        </p:txBody>
-      </p:sp>
+              <a:t>등록 처리</a:t>
+            </a:r>
+          </a:p>
+        </p:txBody>
+      </p:sp>
+      <p:cxnSp>
+        <p:nvCxnSpPr>
+          <p:cNvPr id="41" name="직선 화살표 연결선 40"/>
+          <p:cNvCxnSpPr>
+            <a:endCxn id="40" idx="0"/>
+          </p:cNvCxnSpPr>
+          <p:nvPr/>
+        </p:nvCxnSpPr>
+        <p:spPr>
+          <a:xfrm>
+            <a:off x="8187804" y="3385746"/>
+            <a:ext cx="0" cy="2559994"/>
+          </a:xfrm>
+          <a:prstGeom prst="straightConnector1">
+            <a:avLst/>
+          </a:prstGeom>
+          <a:ln w="38100">
+            <a:headEnd w="lg" len="lg"/>
+            <a:tailEnd type="triangle"/>
+          </a:ln>
+        </p:spPr>
+        <p:style>
+          <a:lnRef idx="1">
+            <a:schemeClr val="accent1"/>
+          </a:lnRef>
+          <a:fillRef idx="0">
+            <a:schemeClr val="accent1"/>
+          </a:fillRef>
+          <a:effectRef idx="0">
+            <a:schemeClr val="accent1"/>
+          </a:effectRef>
+          <a:fontRef idx="minor">
+            <a:schemeClr val="tx1"/>
+          </a:fontRef>
+        </p:style>
+      </p:cxnSp>
       <p:grpSp>
         <p:nvGrpSpPr>
-          <p:cNvPr id="47" name="그룹 46"/>
+          <p:cNvPr id="42" name="그룹 41"/>
+          <p:cNvGrpSpPr/>
+          <p:nvPr/>
+        </p:nvGrpSpPr>
+        <p:grpSpPr>
+          <a:xfrm rot="343646">
+            <a:off x="9543232" y="4439003"/>
+            <a:ext cx="465295" cy="429840"/>
+            <a:chOff x="5764817" y="2081712"/>
+            <a:chExt cx="465295" cy="429840"/>
+          </a:xfrm>
+        </p:grpSpPr>
+        <p:sp>
+          <p:nvSpPr>
+            <p:cNvPr id="43" name="타원 42"/>
+            <p:cNvSpPr/>
+            <p:nvPr/>
+          </p:nvSpPr>
+          <p:spPr>
+            <a:xfrm>
+              <a:off x="5764817" y="2081712"/>
+              <a:ext cx="254984" cy="254984"/>
+            </a:xfrm>
+            <a:prstGeom prst="ellipse">
+              <a:avLst/>
+            </a:prstGeom>
+            <a:noFill/>
+            <a:ln w="38100">
+              <a:solidFill>
+                <a:schemeClr val="accent1"/>
+              </a:solidFill>
+            </a:ln>
+          </p:spPr>
+          <p:style>
+            <a:lnRef idx="2">
+              <a:schemeClr val="accent1">
+                <a:shade val="50000"/>
+              </a:schemeClr>
+            </a:lnRef>
+            <a:fillRef idx="1">
+              <a:schemeClr val="accent1"/>
+            </a:fillRef>
+            <a:effectRef idx="0">
+              <a:schemeClr val="accent1"/>
+            </a:effectRef>
+            <a:fontRef idx="minor">
+              <a:schemeClr val="lt1"/>
+            </a:fontRef>
+          </p:style>
+          <p:txBody>
+            <a:bodyPr rtlCol="0" anchor="ctr"/>
+            <a:lstStyle/>
+            <a:p>
+              <a:pPr algn="ctr"/>
+              <a:endParaRPr lang="ko-KR" altLang="en-US"/>
+            </a:p>
+          </p:txBody>
+        </p:sp>
+        <p:cxnSp>
+          <p:nvCxnSpPr>
+            <p:cNvPr id="44" name="직선 연결선 43"/>
+            <p:cNvCxnSpPr>
+              <a:endCxn id="43" idx="5"/>
+            </p:cNvCxnSpPr>
+            <p:nvPr/>
+          </p:nvCxnSpPr>
+          <p:spPr>
+            <a:xfrm flipH="1" flipV="1">
+              <a:off x="5982459" y="2299354"/>
+              <a:ext cx="247653" cy="212198"/>
+            </a:xfrm>
+            <a:prstGeom prst="line">
+              <a:avLst/>
+            </a:prstGeom>
+            <a:ln w="38100">
+              <a:headEnd type="stealth" w="lg" len="lg"/>
+            </a:ln>
+          </p:spPr>
+          <p:style>
+            <a:lnRef idx="1">
+              <a:schemeClr val="accent1"/>
+            </a:lnRef>
+            <a:fillRef idx="0">
+              <a:schemeClr val="accent1"/>
+            </a:fillRef>
+            <a:effectRef idx="0">
+              <a:schemeClr val="accent1"/>
+            </a:effectRef>
+            <a:fontRef idx="minor">
+              <a:schemeClr val="tx1"/>
+            </a:fontRef>
+          </p:style>
+        </p:cxnSp>
+      </p:grpSp>
+      <p:sp>
+        <p:nvSpPr>
+          <p:cNvPr id="45" name="TextBox 44"/>
+          <p:cNvSpPr txBox="1"/>
+          <p:nvPr/>
+        </p:nvSpPr>
+        <p:spPr>
+          <a:xfrm rot="2620812">
+            <a:off x="9190124" y="4399693"/>
+            <a:ext cx="1729961" cy="246221"/>
+          </a:xfrm>
+          <a:prstGeom prst="rect">
+            <a:avLst/>
+          </a:prstGeom>
+          <a:noFill/>
+        </p:spPr>
+        <p:txBody>
+          <a:bodyPr wrap="none" rtlCol="0">
+            <a:spAutoFit/>
+          </a:bodyPr>
+          <a:lstStyle/>
+          <a:p>
+            <a:r>
+              <a:rPr lang="ko-KR" altLang="en-US" sz="1000" dirty="0"/>
+              <a:t>등록된 강의평가 질문 정보</a:t>
+            </a:r>
+          </a:p>
+        </p:txBody>
+      </p:sp>
+      <p:grpSp>
+        <p:nvGrpSpPr>
+          <p:cNvPr id="46" name="그룹 45"/>
+          <p:cNvGrpSpPr/>
+          <p:nvPr/>
+        </p:nvGrpSpPr>
+        <p:grpSpPr>
+          <a:xfrm rot="16810962">
+            <a:off x="5992763" y="4507641"/>
+            <a:ext cx="465295" cy="429840"/>
+            <a:chOff x="5764817" y="2081712"/>
+            <a:chExt cx="465295" cy="429840"/>
+          </a:xfrm>
+        </p:grpSpPr>
+        <p:sp>
+          <p:nvSpPr>
+            <p:cNvPr id="52" name="타원 51"/>
+            <p:cNvSpPr/>
+            <p:nvPr/>
+          </p:nvSpPr>
+          <p:spPr>
+            <a:xfrm>
+              <a:off x="5764817" y="2081712"/>
+              <a:ext cx="254984" cy="254984"/>
+            </a:xfrm>
+            <a:prstGeom prst="ellipse">
+              <a:avLst/>
+            </a:prstGeom>
+            <a:noFill/>
+            <a:ln w="38100">
+              <a:solidFill>
+                <a:schemeClr val="accent1"/>
+              </a:solidFill>
+            </a:ln>
+          </p:spPr>
+          <p:style>
+            <a:lnRef idx="2">
+              <a:schemeClr val="accent1">
+                <a:shade val="50000"/>
+              </a:schemeClr>
+            </a:lnRef>
+            <a:fillRef idx="1">
+              <a:schemeClr val="accent1"/>
+            </a:fillRef>
+            <a:effectRef idx="0">
+              <a:schemeClr val="accent1"/>
+            </a:effectRef>
+            <a:fontRef idx="minor">
+              <a:schemeClr val="lt1"/>
+            </a:fontRef>
+          </p:style>
+          <p:txBody>
+            <a:bodyPr rtlCol="0" anchor="ctr"/>
+            <a:lstStyle/>
+            <a:p>
+              <a:pPr algn="ctr"/>
+              <a:endParaRPr lang="ko-KR" altLang="en-US"/>
+            </a:p>
+          </p:txBody>
+        </p:sp>
+        <p:cxnSp>
+          <p:nvCxnSpPr>
+            <p:cNvPr id="53" name="직선 연결선 52"/>
+            <p:cNvCxnSpPr>
+              <a:endCxn id="52" idx="5"/>
+            </p:cNvCxnSpPr>
+            <p:nvPr/>
+          </p:nvCxnSpPr>
+          <p:spPr>
+            <a:xfrm flipH="1" flipV="1">
+              <a:off x="5982459" y="2299354"/>
+              <a:ext cx="247653" cy="212198"/>
+            </a:xfrm>
+            <a:prstGeom prst="line">
+              <a:avLst/>
+            </a:prstGeom>
+            <a:ln w="38100">
+              <a:headEnd type="stealth" w="lg" len="lg"/>
+            </a:ln>
+          </p:spPr>
+          <p:style>
+            <a:lnRef idx="1">
+              <a:schemeClr val="accent1"/>
+            </a:lnRef>
+            <a:fillRef idx="0">
+              <a:schemeClr val="accent1"/>
+            </a:fillRef>
+            <a:effectRef idx="0">
+              <a:schemeClr val="accent1"/>
+            </a:effectRef>
+            <a:fontRef idx="minor">
+              <a:schemeClr val="tx1"/>
+            </a:fontRef>
+          </p:style>
+        </p:cxnSp>
+      </p:grpSp>
+      <p:sp>
+        <p:nvSpPr>
+          <p:cNvPr id="54" name="TextBox 53"/>
+          <p:cNvSpPr txBox="1"/>
+          <p:nvPr/>
+        </p:nvSpPr>
+        <p:spPr>
+          <a:xfrm rot="19241942">
+            <a:off x="5165153" y="4434447"/>
+            <a:ext cx="1646605" cy="246221"/>
+          </a:xfrm>
+          <a:prstGeom prst="rect">
+            <a:avLst/>
+          </a:prstGeom>
+          <a:noFill/>
+        </p:spPr>
+        <p:txBody>
+          <a:bodyPr wrap="none" rtlCol="0">
+            <a:spAutoFit/>
+          </a:bodyPr>
+          <a:lstStyle/>
+          <a:p>
+            <a:r>
+              <a:rPr lang="ko-KR" altLang="en-US" sz="1000" dirty="0"/>
+              <a:t>강의 평가 질문 등록 정보</a:t>
+            </a:r>
+          </a:p>
+        </p:txBody>
+      </p:sp>
+      <p:grpSp>
+        <p:nvGrpSpPr>
+          <p:cNvPr id="55" name="그룹 54"/>
+          <p:cNvGrpSpPr/>
+          <p:nvPr/>
+        </p:nvGrpSpPr>
+        <p:grpSpPr>
+          <a:xfrm rot="2871786">
+            <a:off x="7791189" y="4684066"/>
+            <a:ext cx="465295" cy="429840"/>
+            <a:chOff x="5764817" y="2081712"/>
+            <a:chExt cx="465295" cy="429840"/>
+          </a:xfrm>
+        </p:grpSpPr>
+        <p:sp>
+          <p:nvSpPr>
+            <p:cNvPr id="56" name="타원 55"/>
+            <p:cNvSpPr/>
+            <p:nvPr/>
+          </p:nvSpPr>
+          <p:spPr>
+            <a:xfrm>
+              <a:off x="5764817" y="2081712"/>
+              <a:ext cx="254984" cy="254984"/>
+            </a:xfrm>
+            <a:prstGeom prst="ellipse">
+              <a:avLst/>
+            </a:prstGeom>
+            <a:noFill/>
+            <a:ln w="38100">
+              <a:solidFill>
+                <a:schemeClr val="accent1"/>
+              </a:solidFill>
+            </a:ln>
+          </p:spPr>
+          <p:style>
+            <a:lnRef idx="2">
+              <a:schemeClr val="accent1">
+                <a:shade val="50000"/>
+              </a:schemeClr>
+            </a:lnRef>
+            <a:fillRef idx="1">
+              <a:schemeClr val="accent1"/>
+            </a:fillRef>
+            <a:effectRef idx="0">
+              <a:schemeClr val="accent1"/>
+            </a:effectRef>
+            <a:fontRef idx="minor">
+              <a:schemeClr val="lt1"/>
+            </a:fontRef>
+          </p:style>
+          <p:txBody>
+            <a:bodyPr rtlCol="0" anchor="ctr"/>
+            <a:lstStyle/>
+            <a:p>
+              <a:pPr algn="ctr"/>
+              <a:endParaRPr lang="ko-KR" altLang="en-US"/>
+            </a:p>
+          </p:txBody>
+        </p:sp>
+        <p:cxnSp>
+          <p:nvCxnSpPr>
+            <p:cNvPr id="61" name="직선 연결선 60"/>
+            <p:cNvCxnSpPr>
+              <a:endCxn id="56" idx="5"/>
+            </p:cNvCxnSpPr>
+            <p:nvPr/>
+          </p:nvCxnSpPr>
+          <p:spPr>
+            <a:xfrm flipH="1" flipV="1">
+              <a:off x="5982459" y="2299354"/>
+              <a:ext cx="247653" cy="212198"/>
+            </a:xfrm>
+            <a:prstGeom prst="line">
+              <a:avLst/>
+            </a:prstGeom>
+            <a:ln w="38100">
+              <a:headEnd type="stealth" w="lg" len="lg"/>
+            </a:ln>
+          </p:spPr>
+          <p:style>
+            <a:lnRef idx="1">
+              <a:schemeClr val="accent1"/>
+            </a:lnRef>
+            <a:fillRef idx="0">
+              <a:schemeClr val="accent1"/>
+            </a:fillRef>
+            <a:effectRef idx="0">
+              <a:schemeClr val="accent1"/>
+            </a:effectRef>
+            <a:fontRef idx="minor">
+              <a:schemeClr val="tx1"/>
+            </a:fontRef>
+          </p:style>
+        </p:cxnSp>
+      </p:grpSp>
+      <p:sp>
+        <p:nvSpPr>
+          <p:cNvPr id="62" name="TextBox 61"/>
+          <p:cNvSpPr txBox="1"/>
+          <p:nvPr/>
+        </p:nvSpPr>
+        <p:spPr>
+          <a:xfrm rot="16200000">
+            <a:off x="6902341" y="4771034"/>
+            <a:ext cx="1729961" cy="246221"/>
+          </a:xfrm>
+          <a:prstGeom prst="rect">
+            <a:avLst/>
+          </a:prstGeom>
+          <a:noFill/>
+        </p:spPr>
+        <p:txBody>
+          <a:bodyPr wrap="none" rtlCol="0">
+            <a:spAutoFit/>
+          </a:bodyPr>
+          <a:lstStyle/>
+          <a:p>
+            <a:r>
+              <a:rPr lang="ko-KR" altLang="en-US" sz="1000" dirty="0"/>
+              <a:t>등록할 강의평가 질문 정보</a:t>
+            </a:r>
+          </a:p>
+        </p:txBody>
+      </p:sp>
+      <p:grpSp>
+        <p:nvGrpSpPr>
+          <p:cNvPr id="63" name="그룹 62"/>
           <p:cNvGrpSpPr/>
           <p:nvPr/>
         </p:nvGrpSpPr>
         <p:grpSpPr>
           <a:xfrm>
-            <a:off x="6970237" y="4273690"/>
+            <a:off x="10160005" y="5956463"/>
             <a:ext cx="1561933" cy="676405"/>
             <a:chOff x="8118153" y="2442575"/>
             <a:chExt cx="1561933" cy="676405"/>
@@ -3712,7 +3627,7 @@
         </p:grpSpPr>
         <p:cxnSp>
           <p:nvCxnSpPr>
-            <p:cNvPr id="48" name="직선 연결선 47"/>
+            <p:cNvPr id="64" name="직선 연결선 63"/>
             <p:cNvCxnSpPr/>
             <p:nvPr/>
           </p:nvCxnSpPr>
@@ -3747,7 +3662,7 @@
         </p:cxnSp>
         <p:cxnSp>
           <p:nvCxnSpPr>
-            <p:cNvPr id="49" name="직선 연결선 48"/>
+            <p:cNvPr id="65" name="직선 연결선 64"/>
             <p:cNvCxnSpPr/>
             <p:nvPr/>
           </p:nvCxnSpPr>
@@ -3782,7 +3697,7 @@
         </p:cxnSp>
         <p:sp>
           <p:nvSpPr>
-            <p:cNvPr id="50" name="직사각형 49"/>
+            <p:cNvPr id="66" name="직사각형 65"/>
             <p:cNvSpPr/>
             <p:nvPr/>
           </p:nvSpPr>
@@ -3924,14 +3839,6 @@
                 </a:rPr>
                 <a:t>강의 평가 질문</a:t>
               </a:r>
-              <a:r>
-                <a:rPr lang="en-US" altLang="ko-KR" sz="1100" dirty="0">
-                  <a:solidFill>
-                    <a:schemeClr val="tx1"/>
-                  </a:solidFill>
-                </a:rPr>
-                <a:t/>
-              </a:r>
               <a:br>
                 <a:rPr lang="en-US" altLang="ko-KR" sz="1100" dirty="0">
                   <a:solidFill>
@@ -3953,16 +3860,15 @@
       </p:grpSp>
       <p:cxnSp>
         <p:nvCxnSpPr>
-          <p:cNvPr id="51" name="직선 화살표 연결선 50"/>
+          <p:cNvPr id="67" name="직선 화살표 연결선 66"/>
           <p:cNvCxnSpPr>
-            <a:stCxn id="21" idx="2"/>
-            <a:endCxn id="50" idx="0"/>
+            <a:endCxn id="66" idx="0"/>
           </p:cNvCxnSpPr>
           <p:nvPr/>
         </p:nvCxnSpPr>
         <p:spPr>
           <a:xfrm>
-            <a:off x="4998036" y="1702973"/>
+            <a:off x="8187804" y="3385746"/>
             <a:ext cx="2760054" cy="2658399"/>
           </a:xfrm>
           <a:prstGeom prst="straightConnector1">
@@ -3990,13 +3896,13 @@
       </p:cxnSp>
       <p:grpSp>
         <p:nvGrpSpPr>
-          <p:cNvPr id="57" name="그룹 56"/>
+          <p:cNvPr id="68" name="그룹 67"/>
           <p:cNvGrpSpPr/>
           <p:nvPr/>
         </p:nvGrpSpPr>
         <p:grpSpPr>
           <a:xfrm rot="13493608">
-            <a:off x="4946122" y="3053467"/>
+            <a:off x="8135890" y="4736240"/>
             <a:ext cx="465295" cy="429840"/>
             <a:chOff x="5764817" y="2081712"/>
             <a:chExt cx="465295" cy="429840"/>
@@ -4004,7 +3910,7 @@
         </p:grpSpPr>
         <p:sp>
           <p:nvSpPr>
-            <p:cNvPr id="58" name="타원 57"/>
+            <p:cNvPr id="69" name="타원 68"/>
             <p:cNvSpPr/>
             <p:nvPr/>
           </p:nvSpPr>
@@ -4050,9 +3956,9 @@
         </p:sp>
         <p:cxnSp>
           <p:nvCxnSpPr>
-            <p:cNvPr id="59" name="직선 연결선 58"/>
+            <p:cNvPr id="70" name="직선 연결선 69"/>
             <p:cNvCxnSpPr>
-              <a:endCxn id="58" idx="5"/>
+              <a:endCxn id="69" idx="5"/>
             </p:cNvCxnSpPr>
             <p:nvPr/>
           </p:nvCxnSpPr>
@@ -4086,13 +3992,13 @@
       </p:grpSp>
       <p:sp>
         <p:nvSpPr>
-          <p:cNvPr id="60" name="TextBox 59"/>
+          <p:cNvPr id="71" name="TextBox 70"/>
           <p:cNvSpPr txBox="1"/>
           <p:nvPr/>
         </p:nvSpPr>
         <p:spPr>
           <a:xfrm rot="5400000">
-            <a:off x="4606841" y="3170773"/>
+            <a:off x="7796609" y="4853546"/>
             <a:ext cx="1774845" cy="246221"/>
           </a:xfrm>
           <a:prstGeom prst="rect">
@@ -4107,33 +4013,962 @@
           <a:lstStyle/>
           <a:p>
             <a:r>
-              <a:rPr lang="ko-KR" altLang="en-US" sz="1000" dirty="0" smtClean="0"/>
-              <a:t>등록된 </a:t>
-            </a:r>
-            <a:r>
-              <a:rPr lang="ko-KR" altLang="en-US" sz="1000" dirty="0" smtClean="0"/>
-              <a:t>강의 </a:t>
-            </a:r>
-            <a:r>
-              <a:rPr lang="ko-KR" altLang="en-US" sz="1000" dirty="0" smtClean="0"/>
-              <a:t>평가 </a:t>
-            </a:r>
-            <a:r>
-              <a:rPr lang="ko-KR" altLang="en-US" sz="1000" dirty="0" smtClean="0"/>
-              <a:t>질문 </a:t>
-            </a:r>
-            <a:r>
-              <a:rPr lang="ko-KR" altLang="en-US" sz="1000" dirty="0" smtClean="0"/>
+              <a:rPr lang="ko-KR" altLang="en-US" sz="1000" dirty="0"/>
+              <a:t>등록된 강의 평가 질문 정보</a:t>
+            </a:r>
+          </a:p>
+        </p:txBody>
+      </p:sp>
+      <p:sp>
+        <p:nvSpPr>
+          <p:cNvPr id="72" name="직사각형 71"/>
+          <p:cNvSpPr/>
+          <p:nvPr/>
+        </p:nvSpPr>
+        <p:spPr>
+          <a:xfrm>
+            <a:off x="1934887" y="2602036"/>
+            <a:ext cx="1556992" cy="726131"/>
+          </a:xfrm>
+          <a:prstGeom prst="rect">
+            <a:avLst/>
+          </a:prstGeom>
+          <a:noFill/>
+          <a:ln w="31750">
+            <a:solidFill>
+              <a:schemeClr val="accent1">
+                <a:shade val="50000"/>
+              </a:schemeClr>
+            </a:solidFill>
+          </a:ln>
+        </p:spPr>
+        <p:style>
+          <a:lnRef idx="2">
+            <a:schemeClr val="accent1">
+              <a:shade val="50000"/>
+            </a:schemeClr>
+          </a:lnRef>
+          <a:fillRef idx="1">
+            <a:schemeClr val="accent1"/>
+          </a:fillRef>
+          <a:effectRef idx="0">
+            <a:schemeClr val="accent1"/>
+          </a:effectRef>
+          <a:fontRef idx="minor">
+            <a:schemeClr val="lt1"/>
+          </a:fontRef>
+        </p:style>
+        <p:txBody>
+          <a:bodyPr rtlCol="0" anchor="ctr"/>
+          <a:lstStyle/>
+          <a:p>
+            <a:pPr algn="ctr"/>
+            <a:r>
+              <a:rPr lang="ko-KR" altLang="en-US" sz="1100" dirty="0">
+                <a:solidFill>
+                  <a:schemeClr val="tx1"/>
+                </a:solidFill>
+              </a:rPr>
+              <a:t>권한 체크</a:t>
+            </a:r>
+          </a:p>
+        </p:txBody>
+      </p:sp>
+      <p:cxnSp>
+        <p:nvCxnSpPr>
+          <p:cNvPr id="73" name="직선 화살표 연결선 72"/>
+          <p:cNvCxnSpPr>
+            <a:stCxn id="21" idx="2"/>
+            <a:endCxn id="72" idx="0"/>
+          </p:cNvCxnSpPr>
+          <p:nvPr/>
+        </p:nvCxnSpPr>
+        <p:spPr>
+          <a:xfrm flipH="1">
+            <a:off x="2713383" y="979959"/>
+            <a:ext cx="2632171" cy="1622077"/>
+          </a:xfrm>
+          <a:prstGeom prst="straightConnector1">
+            <a:avLst/>
+          </a:prstGeom>
+          <a:ln w="38100">
+            <a:headEnd w="lg" len="lg"/>
+            <a:tailEnd type="triangle"/>
+          </a:ln>
+        </p:spPr>
+        <p:style>
+          <a:lnRef idx="1">
+            <a:schemeClr val="accent1"/>
+          </a:lnRef>
+          <a:fillRef idx="0">
+            <a:schemeClr val="accent1"/>
+          </a:fillRef>
+          <a:effectRef idx="0">
+            <a:schemeClr val="accent1"/>
+          </a:effectRef>
+          <a:fontRef idx="minor">
+            <a:schemeClr val="tx1"/>
+          </a:fontRef>
+        </p:style>
+      </p:cxnSp>
+      <p:sp>
+        <p:nvSpPr>
+          <p:cNvPr id="74" name="직사각형 73"/>
+          <p:cNvSpPr/>
+          <p:nvPr/>
+        </p:nvSpPr>
+        <p:spPr>
+          <a:xfrm>
+            <a:off x="4745363" y="2627124"/>
+            <a:ext cx="1556992" cy="726131"/>
+          </a:xfrm>
+          <a:prstGeom prst="rect">
+            <a:avLst/>
+          </a:prstGeom>
+          <a:noFill/>
+          <a:ln w="31750">
+            <a:solidFill>
+              <a:schemeClr val="accent1">
+                <a:shade val="50000"/>
+              </a:schemeClr>
+            </a:solidFill>
+          </a:ln>
+        </p:spPr>
+        <p:style>
+          <a:lnRef idx="2">
+            <a:schemeClr val="accent1">
+              <a:shade val="50000"/>
+            </a:schemeClr>
+          </a:lnRef>
+          <a:fillRef idx="1">
+            <a:schemeClr val="accent1"/>
+          </a:fillRef>
+          <a:effectRef idx="0">
+            <a:schemeClr val="accent1"/>
+          </a:effectRef>
+          <a:fontRef idx="minor">
+            <a:schemeClr val="lt1"/>
+          </a:fontRef>
+        </p:style>
+        <p:txBody>
+          <a:bodyPr rtlCol="0" anchor="ctr"/>
+          <a:lstStyle/>
+          <a:p>
+            <a:pPr algn="ctr"/>
+            <a:r>
+              <a:rPr lang="ko-KR" altLang="en-US" sz="1100" dirty="0">
+                <a:solidFill>
+                  <a:schemeClr val="tx1"/>
+                </a:solidFill>
+              </a:rPr>
+              <a:t>화면 출력</a:t>
+            </a:r>
+          </a:p>
+        </p:txBody>
+      </p:sp>
+      <p:grpSp>
+        <p:nvGrpSpPr>
+          <p:cNvPr id="75" name="그룹 74"/>
+          <p:cNvGrpSpPr/>
+          <p:nvPr/>
+        </p:nvGrpSpPr>
+        <p:grpSpPr>
+          <a:xfrm rot="5672329">
+            <a:off x="3323975" y="1546003"/>
+            <a:ext cx="465295" cy="429840"/>
+            <a:chOff x="5764817" y="2081712"/>
+            <a:chExt cx="465295" cy="429840"/>
+          </a:xfrm>
+        </p:grpSpPr>
+        <p:sp>
+          <p:nvSpPr>
+            <p:cNvPr id="76" name="타원 75"/>
+            <p:cNvSpPr/>
+            <p:nvPr/>
+          </p:nvSpPr>
+          <p:spPr>
+            <a:xfrm>
+              <a:off x="5764817" y="2081712"/>
+              <a:ext cx="254984" cy="254984"/>
+            </a:xfrm>
+            <a:prstGeom prst="ellipse">
+              <a:avLst/>
+            </a:prstGeom>
+            <a:noFill/>
+            <a:ln w="38100">
+              <a:solidFill>
+                <a:schemeClr val="accent1"/>
+              </a:solidFill>
+            </a:ln>
+          </p:spPr>
+          <p:style>
+            <a:lnRef idx="2">
+              <a:schemeClr val="accent1">
+                <a:shade val="50000"/>
+              </a:schemeClr>
+            </a:lnRef>
+            <a:fillRef idx="1">
+              <a:schemeClr val="accent1"/>
+            </a:fillRef>
+            <a:effectRef idx="0">
+              <a:schemeClr val="accent1"/>
+            </a:effectRef>
+            <a:fontRef idx="minor">
+              <a:schemeClr val="lt1"/>
+            </a:fontRef>
+          </p:style>
+          <p:txBody>
+            <a:bodyPr rtlCol="0" anchor="ctr"/>
+            <a:lstStyle/>
+            <a:p>
+              <a:pPr algn="ctr"/>
+              <a:endParaRPr lang="ko-KR" altLang="en-US"/>
+            </a:p>
+          </p:txBody>
+        </p:sp>
+        <p:cxnSp>
+          <p:nvCxnSpPr>
+            <p:cNvPr id="77" name="직선 연결선 76"/>
+            <p:cNvCxnSpPr>
+              <a:endCxn id="76" idx="5"/>
+            </p:cNvCxnSpPr>
+            <p:nvPr/>
+          </p:nvCxnSpPr>
+          <p:spPr>
+            <a:xfrm flipH="1" flipV="1">
+              <a:off x="5982459" y="2299354"/>
+              <a:ext cx="247653" cy="212198"/>
+            </a:xfrm>
+            <a:prstGeom prst="line">
+              <a:avLst/>
+            </a:prstGeom>
+            <a:ln w="38100">
+              <a:headEnd type="stealth" w="lg" len="lg"/>
+            </a:ln>
+          </p:spPr>
+          <p:style>
+            <a:lnRef idx="1">
+              <a:schemeClr val="accent1"/>
+            </a:lnRef>
+            <a:fillRef idx="0">
+              <a:schemeClr val="accent1"/>
+            </a:fillRef>
+            <a:effectRef idx="0">
+              <a:schemeClr val="accent1"/>
+            </a:effectRef>
+            <a:fontRef idx="minor">
+              <a:schemeClr val="tx1"/>
+            </a:fontRef>
+          </p:style>
+        </p:cxnSp>
+      </p:grpSp>
+      <p:sp>
+        <p:nvSpPr>
+          <p:cNvPr id="78" name="TextBox 77"/>
+          <p:cNvSpPr txBox="1"/>
+          <p:nvPr/>
+        </p:nvSpPr>
+        <p:spPr>
+          <a:xfrm rot="19188507">
+            <a:off x="2848109" y="1450114"/>
+            <a:ext cx="798617" cy="261610"/>
+          </a:xfrm>
+          <a:prstGeom prst="rect">
+            <a:avLst/>
+          </a:prstGeom>
+          <a:noFill/>
+        </p:spPr>
+        <p:txBody>
+          <a:bodyPr wrap="none" rtlCol="0">
+            <a:spAutoFit/>
+          </a:bodyPr>
+          <a:lstStyle/>
+          <a:p>
+            <a:pPr algn="ctr"/>
+            <a:r>
+              <a:rPr lang="ko-KR" altLang="en-US" sz="1100" dirty="0"/>
+              <a:t>권한 정보</a:t>
+            </a:r>
+            <a:endParaRPr lang="ko-KR" altLang="en-US" sz="1600" dirty="0"/>
+          </a:p>
+        </p:txBody>
+      </p:sp>
+      <p:grpSp>
+        <p:nvGrpSpPr>
+          <p:cNvPr id="79" name="그룹 78"/>
+          <p:cNvGrpSpPr/>
+          <p:nvPr/>
+        </p:nvGrpSpPr>
+        <p:grpSpPr>
+          <a:xfrm rot="2052325">
+            <a:off x="5394659" y="1613188"/>
+            <a:ext cx="465295" cy="429840"/>
+            <a:chOff x="5764817" y="2081712"/>
+            <a:chExt cx="465295" cy="429840"/>
+          </a:xfrm>
+        </p:grpSpPr>
+        <p:sp>
+          <p:nvSpPr>
+            <p:cNvPr id="80" name="타원 79"/>
+            <p:cNvSpPr/>
+            <p:nvPr/>
+          </p:nvSpPr>
+          <p:spPr>
+            <a:xfrm>
+              <a:off x="5764817" y="2081712"/>
+              <a:ext cx="254984" cy="254984"/>
+            </a:xfrm>
+            <a:prstGeom prst="ellipse">
+              <a:avLst/>
+            </a:prstGeom>
+            <a:noFill/>
+            <a:ln w="38100">
+              <a:solidFill>
+                <a:schemeClr val="accent1"/>
+              </a:solidFill>
+            </a:ln>
+          </p:spPr>
+          <p:style>
+            <a:lnRef idx="2">
+              <a:schemeClr val="accent1">
+                <a:shade val="50000"/>
+              </a:schemeClr>
+            </a:lnRef>
+            <a:fillRef idx="1">
+              <a:schemeClr val="accent1"/>
+            </a:fillRef>
+            <a:effectRef idx="0">
+              <a:schemeClr val="accent1"/>
+            </a:effectRef>
+            <a:fontRef idx="minor">
+              <a:schemeClr val="lt1"/>
+            </a:fontRef>
+          </p:style>
+          <p:txBody>
+            <a:bodyPr rtlCol="0" anchor="ctr"/>
+            <a:lstStyle/>
+            <a:p>
+              <a:pPr algn="ctr"/>
+              <a:endParaRPr lang="ko-KR" altLang="en-US"/>
+            </a:p>
+          </p:txBody>
+        </p:sp>
+        <p:cxnSp>
+          <p:nvCxnSpPr>
+            <p:cNvPr id="81" name="직선 연결선 80"/>
+            <p:cNvCxnSpPr>
+              <a:endCxn id="80" idx="5"/>
+            </p:cNvCxnSpPr>
+            <p:nvPr/>
+          </p:nvCxnSpPr>
+          <p:spPr>
+            <a:xfrm flipH="1" flipV="1">
+              <a:off x="5982459" y="2299354"/>
+              <a:ext cx="247653" cy="212198"/>
+            </a:xfrm>
+            <a:prstGeom prst="line">
+              <a:avLst/>
+            </a:prstGeom>
+            <a:ln w="38100">
+              <a:headEnd type="stealth" w="lg" len="lg"/>
+            </a:ln>
+          </p:spPr>
+          <p:style>
+            <a:lnRef idx="1">
+              <a:schemeClr val="accent1"/>
+            </a:lnRef>
+            <a:fillRef idx="0">
+              <a:schemeClr val="accent1"/>
+            </a:fillRef>
+            <a:effectRef idx="0">
+              <a:schemeClr val="accent1"/>
+            </a:effectRef>
+            <a:fontRef idx="minor">
+              <a:schemeClr val="tx1"/>
+            </a:fontRef>
+          </p:style>
+        </p:cxnSp>
+      </p:grpSp>
+      <p:sp>
+        <p:nvSpPr>
+          <p:cNvPr id="82" name="TextBox 81"/>
+          <p:cNvSpPr txBox="1"/>
+          <p:nvPr/>
+        </p:nvSpPr>
+        <p:spPr>
+          <a:xfrm rot="4709987">
+            <a:off x="5605604" y="1712055"/>
+            <a:ext cx="657552" cy="261610"/>
+          </a:xfrm>
+          <a:prstGeom prst="rect">
+            <a:avLst/>
+          </a:prstGeom>
+          <a:noFill/>
+        </p:spPr>
+        <p:txBody>
+          <a:bodyPr wrap="none" rtlCol="0">
+            <a:spAutoFit/>
+          </a:bodyPr>
+          <a:lstStyle/>
+          <a:p>
+            <a:pPr algn="ctr"/>
+            <a:r>
+              <a:rPr lang="ko-KR" altLang="en-US" sz="1100" dirty="0"/>
+              <a:t>화면 명</a:t>
+            </a:r>
+            <a:endParaRPr lang="ko-KR" altLang="en-US" sz="1600" dirty="0"/>
+          </a:p>
+        </p:txBody>
+      </p:sp>
+      <p:sp>
+        <p:nvSpPr>
+          <p:cNvPr id="86" name="TextBox 85"/>
+          <p:cNvSpPr txBox="1"/>
+          <p:nvPr/>
+        </p:nvSpPr>
+        <p:spPr>
+          <a:xfrm rot="4709987">
+            <a:off x="4472439" y="1864943"/>
+            <a:ext cx="798617" cy="430887"/>
+          </a:xfrm>
+          <a:prstGeom prst="rect">
+            <a:avLst/>
+          </a:prstGeom>
+          <a:noFill/>
+        </p:spPr>
+        <p:txBody>
+          <a:bodyPr wrap="none" rtlCol="0">
+            <a:spAutoFit/>
+          </a:bodyPr>
+          <a:lstStyle/>
+          <a:p>
+            <a:pPr algn="ctr"/>
+            <a:r>
+              <a:rPr lang="ko-KR" altLang="en-US" sz="1100" dirty="0"/>
+              <a:t>권한 확인</a:t>
+            </a:r>
+            <a:endParaRPr lang="en-US" altLang="ko-KR" sz="1100" dirty="0"/>
+          </a:p>
+          <a:p>
+            <a:pPr algn="ctr"/>
+            <a:r>
+              <a:rPr lang="ko-KR" altLang="en-US" sz="1100" dirty="0"/>
               <a:t>정보</a:t>
             </a:r>
-            <a:endParaRPr lang="ko-KR" altLang="en-US" sz="1000" dirty="0"/>
+            <a:endParaRPr lang="ko-KR" altLang="en-US" sz="1600" dirty="0"/>
+          </a:p>
+        </p:txBody>
+      </p:sp>
+      <p:cxnSp>
+        <p:nvCxnSpPr>
+          <p:cNvPr id="87" name="직선 화살표 연결선 86"/>
+          <p:cNvCxnSpPr>
+            <a:stCxn id="21" idx="2"/>
+            <a:endCxn id="74" idx="0"/>
+          </p:cNvCxnSpPr>
+          <p:nvPr/>
+        </p:nvCxnSpPr>
+        <p:spPr>
+          <a:xfrm>
+            <a:off x="5345554" y="979959"/>
+            <a:ext cx="178305" cy="1647165"/>
+          </a:xfrm>
+          <a:prstGeom prst="straightConnector1">
+            <a:avLst/>
+          </a:prstGeom>
+          <a:ln w="38100">
+            <a:headEnd w="lg" len="lg"/>
+            <a:tailEnd type="triangle"/>
+          </a:ln>
+        </p:spPr>
+        <p:style>
+          <a:lnRef idx="1">
+            <a:schemeClr val="accent1"/>
+          </a:lnRef>
+          <a:fillRef idx="0">
+            <a:schemeClr val="accent1"/>
+          </a:fillRef>
+          <a:effectRef idx="0">
+            <a:schemeClr val="accent1"/>
+          </a:effectRef>
+          <a:fontRef idx="minor">
+            <a:schemeClr val="tx1"/>
+          </a:fontRef>
+        </p:style>
+      </p:cxnSp>
+      <p:grpSp>
+        <p:nvGrpSpPr>
+          <p:cNvPr id="88" name="그룹 87"/>
+          <p:cNvGrpSpPr/>
+          <p:nvPr/>
+        </p:nvGrpSpPr>
+        <p:grpSpPr>
+          <a:xfrm rot="2228231">
+            <a:off x="4932300" y="1790299"/>
+            <a:ext cx="465295" cy="429840"/>
+            <a:chOff x="5764817" y="2081712"/>
+            <a:chExt cx="465295" cy="429840"/>
+          </a:xfrm>
+        </p:grpSpPr>
+        <p:sp>
+          <p:nvSpPr>
+            <p:cNvPr id="89" name="타원 88"/>
+            <p:cNvSpPr/>
+            <p:nvPr/>
+          </p:nvSpPr>
+          <p:spPr>
+            <a:xfrm>
+              <a:off x="5764817" y="2081712"/>
+              <a:ext cx="254984" cy="254984"/>
+            </a:xfrm>
+            <a:prstGeom prst="ellipse">
+              <a:avLst/>
+            </a:prstGeom>
+            <a:solidFill>
+              <a:schemeClr val="accent1"/>
+            </a:solidFill>
+            <a:ln w="38100">
+              <a:solidFill>
+                <a:schemeClr val="accent1"/>
+              </a:solidFill>
+            </a:ln>
+          </p:spPr>
+          <p:style>
+            <a:lnRef idx="2">
+              <a:schemeClr val="accent1">
+                <a:shade val="50000"/>
+              </a:schemeClr>
+            </a:lnRef>
+            <a:fillRef idx="1">
+              <a:schemeClr val="accent1"/>
+            </a:fillRef>
+            <a:effectRef idx="0">
+              <a:schemeClr val="accent1"/>
+            </a:effectRef>
+            <a:fontRef idx="minor">
+              <a:schemeClr val="lt1"/>
+            </a:fontRef>
+          </p:style>
+          <p:txBody>
+            <a:bodyPr rtlCol="0" anchor="ctr"/>
+            <a:lstStyle/>
+            <a:p>
+              <a:pPr algn="ctr"/>
+              <a:endParaRPr lang="ko-KR" altLang="en-US"/>
+            </a:p>
+          </p:txBody>
+        </p:sp>
+        <p:cxnSp>
+          <p:nvCxnSpPr>
+            <p:cNvPr id="90" name="직선 연결선 89"/>
+            <p:cNvCxnSpPr>
+              <a:endCxn id="89" idx="5"/>
+            </p:cNvCxnSpPr>
+            <p:nvPr/>
+          </p:nvCxnSpPr>
+          <p:spPr>
+            <a:xfrm flipH="1" flipV="1">
+              <a:off x="5982459" y="2299354"/>
+              <a:ext cx="247653" cy="212198"/>
+            </a:xfrm>
+            <a:prstGeom prst="line">
+              <a:avLst/>
+            </a:prstGeom>
+            <a:ln w="38100">
+              <a:headEnd type="stealth" w="lg" len="lg"/>
+            </a:ln>
+          </p:spPr>
+          <p:style>
+            <a:lnRef idx="1">
+              <a:schemeClr val="accent1"/>
+            </a:lnRef>
+            <a:fillRef idx="0">
+              <a:schemeClr val="accent1"/>
+            </a:fillRef>
+            <a:effectRef idx="0">
+              <a:schemeClr val="accent1"/>
+            </a:effectRef>
+            <a:fontRef idx="minor">
+              <a:schemeClr val="tx1"/>
+            </a:fontRef>
+          </p:style>
+        </p:cxnSp>
+      </p:grpSp>
+      <p:sp>
+        <p:nvSpPr>
+          <p:cNvPr id="92" name="직사각형 91"/>
+          <p:cNvSpPr/>
+          <p:nvPr/>
+        </p:nvSpPr>
+        <p:spPr>
+          <a:xfrm>
+            <a:off x="7333538" y="2632421"/>
+            <a:ext cx="1556992" cy="726131"/>
+          </a:xfrm>
+          <a:prstGeom prst="rect">
+            <a:avLst/>
+          </a:prstGeom>
+          <a:noFill/>
+          <a:ln w="31750">
+            <a:solidFill>
+              <a:schemeClr val="accent1">
+                <a:shade val="50000"/>
+              </a:schemeClr>
+            </a:solidFill>
+          </a:ln>
+        </p:spPr>
+        <p:style>
+          <a:lnRef idx="2">
+            <a:schemeClr val="accent1">
+              <a:shade val="50000"/>
+            </a:schemeClr>
+          </a:lnRef>
+          <a:fillRef idx="1">
+            <a:schemeClr val="accent1"/>
+          </a:fillRef>
+          <a:effectRef idx="0">
+            <a:schemeClr val="accent1"/>
+          </a:effectRef>
+          <a:fontRef idx="minor">
+            <a:schemeClr val="lt1"/>
+          </a:fontRef>
+        </p:style>
+        <p:txBody>
+          <a:bodyPr rtlCol="0" anchor="ctr"/>
+          <a:lstStyle/>
+          <a:p>
+            <a:pPr algn="ctr"/>
+            <a:r>
+              <a:rPr lang="ko-KR" altLang="en-US" sz="1100" dirty="0">
+                <a:solidFill>
+                  <a:schemeClr val="tx1"/>
+                </a:solidFill>
+              </a:rPr>
+              <a:t>강의 평가 질문 등록</a:t>
+            </a:r>
+            <a:endParaRPr lang="en-US" altLang="ko-KR" sz="1100" dirty="0">
+              <a:solidFill>
+                <a:schemeClr val="tx1"/>
+              </a:solidFill>
+            </a:endParaRPr>
+          </a:p>
+        </p:txBody>
+      </p:sp>
+      <p:cxnSp>
+        <p:nvCxnSpPr>
+          <p:cNvPr id="93" name="직선 화살표 연결선 92"/>
+          <p:cNvCxnSpPr>
+            <a:stCxn id="21" idx="2"/>
+            <a:endCxn id="92" idx="0"/>
+          </p:cNvCxnSpPr>
+          <p:nvPr/>
+        </p:nvCxnSpPr>
+        <p:spPr>
+          <a:xfrm>
+            <a:off x="5345554" y="979959"/>
+            <a:ext cx="2766480" cy="1652462"/>
+          </a:xfrm>
+          <a:prstGeom prst="straightConnector1">
+            <a:avLst/>
+          </a:prstGeom>
+          <a:ln w="38100">
+            <a:headEnd w="lg" len="lg"/>
+            <a:tailEnd type="triangle"/>
+          </a:ln>
+        </p:spPr>
+        <p:style>
+          <a:lnRef idx="1">
+            <a:schemeClr val="accent1"/>
+          </a:lnRef>
+          <a:fillRef idx="0">
+            <a:schemeClr val="accent1"/>
+          </a:fillRef>
+          <a:effectRef idx="0">
+            <a:schemeClr val="accent1"/>
+          </a:effectRef>
+          <a:fontRef idx="minor">
+            <a:schemeClr val="tx1"/>
+          </a:fontRef>
+        </p:style>
+      </p:cxnSp>
+      <p:grpSp>
+        <p:nvGrpSpPr>
+          <p:cNvPr id="47" name="그룹 46"/>
+          <p:cNvGrpSpPr/>
+          <p:nvPr/>
+        </p:nvGrpSpPr>
+        <p:grpSpPr>
+          <a:xfrm rot="16791279">
+            <a:off x="3674449" y="1911870"/>
+            <a:ext cx="465295" cy="429840"/>
+            <a:chOff x="5764817" y="2081712"/>
+            <a:chExt cx="465295" cy="429840"/>
+          </a:xfrm>
+        </p:grpSpPr>
+        <p:sp>
+          <p:nvSpPr>
+            <p:cNvPr id="48" name="타원 47"/>
+            <p:cNvSpPr/>
+            <p:nvPr/>
+          </p:nvSpPr>
+          <p:spPr>
+            <a:xfrm>
+              <a:off x="5764817" y="2081712"/>
+              <a:ext cx="254984" cy="254984"/>
+            </a:xfrm>
+            <a:prstGeom prst="ellipse">
+              <a:avLst/>
+            </a:prstGeom>
+            <a:solidFill>
+              <a:schemeClr val="accent1"/>
+            </a:solidFill>
+            <a:ln w="38100">
+              <a:solidFill>
+                <a:schemeClr val="accent1"/>
+              </a:solidFill>
+            </a:ln>
+          </p:spPr>
+          <p:style>
+            <a:lnRef idx="2">
+              <a:schemeClr val="accent1">
+                <a:shade val="50000"/>
+              </a:schemeClr>
+            </a:lnRef>
+            <a:fillRef idx="1">
+              <a:schemeClr val="accent1"/>
+            </a:fillRef>
+            <a:effectRef idx="0">
+              <a:schemeClr val="accent1"/>
+            </a:effectRef>
+            <a:fontRef idx="minor">
+              <a:schemeClr val="lt1"/>
+            </a:fontRef>
+          </p:style>
+          <p:txBody>
+            <a:bodyPr rtlCol="0" anchor="ctr"/>
+            <a:lstStyle/>
+            <a:p>
+              <a:pPr algn="ctr"/>
+              <a:endParaRPr lang="ko-KR" altLang="en-US"/>
+            </a:p>
+          </p:txBody>
+        </p:sp>
+        <p:cxnSp>
+          <p:nvCxnSpPr>
+            <p:cNvPr id="49" name="직선 연결선 48"/>
+            <p:cNvCxnSpPr>
+              <a:endCxn id="48" idx="5"/>
+            </p:cNvCxnSpPr>
+            <p:nvPr/>
+          </p:nvCxnSpPr>
+          <p:spPr>
+            <a:xfrm flipH="1" flipV="1">
+              <a:off x="5982459" y="2299354"/>
+              <a:ext cx="247653" cy="212198"/>
+            </a:xfrm>
+            <a:prstGeom prst="line">
+              <a:avLst/>
+            </a:prstGeom>
+            <a:ln w="38100">
+              <a:headEnd type="stealth" w="lg" len="lg"/>
+            </a:ln>
+          </p:spPr>
+          <p:style>
+            <a:lnRef idx="1">
+              <a:schemeClr val="accent1"/>
+            </a:lnRef>
+            <a:fillRef idx="0">
+              <a:schemeClr val="accent1"/>
+            </a:fillRef>
+            <a:effectRef idx="0">
+              <a:schemeClr val="accent1"/>
+            </a:effectRef>
+            <a:fontRef idx="minor">
+              <a:schemeClr val="tx1"/>
+            </a:fontRef>
+          </p:style>
+        </p:cxnSp>
+      </p:grpSp>
+      <p:sp>
+        <p:nvSpPr>
+          <p:cNvPr id="50" name="TextBox 49"/>
+          <p:cNvSpPr txBox="1"/>
+          <p:nvPr/>
+        </p:nvSpPr>
+        <p:spPr>
+          <a:xfrm rot="18901443">
+            <a:off x="3752526" y="2193683"/>
+            <a:ext cx="798617" cy="430887"/>
+          </a:xfrm>
+          <a:prstGeom prst="rect">
+            <a:avLst/>
+          </a:prstGeom>
+          <a:noFill/>
+        </p:spPr>
+        <p:txBody>
+          <a:bodyPr wrap="none" rtlCol="0">
+            <a:spAutoFit/>
+          </a:bodyPr>
+          <a:lstStyle/>
+          <a:p>
+            <a:pPr algn="ctr"/>
+            <a:r>
+              <a:rPr lang="ko-KR" altLang="en-US" sz="1100" dirty="0"/>
+              <a:t>권한 확인</a:t>
+            </a:r>
+            <a:endParaRPr lang="en-US" altLang="ko-KR" sz="1100" dirty="0"/>
+          </a:p>
+          <a:p>
+            <a:pPr algn="ctr"/>
+            <a:r>
+              <a:rPr lang="ko-KR" altLang="en-US" sz="1100" dirty="0"/>
+              <a:t>정보</a:t>
+            </a:r>
+            <a:endParaRPr lang="ko-KR" altLang="en-US" sz="1600" dirty="0"/>
+          </a:p>
+        </p:txBody>
+      </p:sp>
+      <p:grpSp>
+        <p:nvGrpSpPr>
+          <p:cNvPr id="51" name="그룹 50"/>
+          <p:cNvGrpSpPr/>
+          <p:nvPr/>
+        </p:nvGrpSpPr>
+        <p:grpSpPr>
+          <a:xfrm rot="21416685">
+            <a:off x="6603714" y="1391978"/>
+            <a:ext cx="465295" cy="429840"/>
+            <a:chOff x="5764817" y="2081712"/>
+            <a:chExt cx="465295" cy="429840"/>
+          </a:xfrm>
+        </p:grpSpPr>
+        <p:sp>
+          <p:nvSpPr>
+            <p:cNvPr id="57" name="타원 56"/>
+            <p:cNvSpPr/>
+            <p:nvPr/>
+          </p:nvSpPr>
+          <p:spPr>
+            <a:xfrm>
+              <a:off x="5764817" y="2081712"/>
+              <a:ext cx="254984" cy="254984"/>
+            </a:xfrm>
+            <a:prstGeom prst="ellipse">
+              <a:avLst/>
+            </a:prstGeom>
+            <a:solidFill>
+              <a:schemeClr val="accent1"/>
+            </a:solidFill>
+            <a:ln w="38100">
+              <a:solidFill>
+                <a:schemeClr val="accent1"/>
+              </a:solidFill>
+            </a:ln>
+          </p:spPr>
+          <p:style>
+            <a:lnRef idx="2">
+              <a:schemeClr val="accent1">
+                <a:shade val="50000"/>
+              </a:schemeClr>
+            </a:lnRef>
+            <a:fillRef idx="1">
+              <a:schemeClr val="accent1"/>
+            </a:fillRef>
+            <a:effectRef idx="0">
+              <a:schemeClr val="accent1"/>
+            </a:effectRef>
+            <a:fontRef idx="minor">
+              <a:schemeClr val="lt1"/>
+            </a:fontRef>
+          </p:style>
+          <p:txBody>
+            <a:bodyPr rtlCol="0" anchor="ctr"/>
+            <a:lstStyle/>
+            <a:p>
+              <a:pPr algn="ctr"/>
+              <a:endParaRPr lang="ko-KR" altLang="en-US"/>
+            </a:p>
+          </p:txBody>
+        </p:sp>
+        <p:cxnSp>
+          <p:nvCxnSpPr>
+            <p:cNvPr id="58" name="직선 연결선 57"/>
+            <p:cNvCxnSpPr>
+              <a:endCxn id="57" idx="5"/>
+            </p:cNvCxnSpPr>
+            <p:nvPr/>
+          </p:nvCxnSpPr>
+          <p:spPr>
+            <a:xfrm flipH="1" flipV="1">
+              <a:off x="5982459" y="2299354"/>
+              <a:ext cx="247653" cy="212198"/>
+            </a:xfrm>
+            <a:prstGeom prst="line">
+              <a:avLst/>
+            </a:prstGeom>
+            <a:ln w="38100">
+              <a:headEnd type="stealth" w="lg" len="lg"/>
+            </a:ln>
+          </p:spPr>
+          <p:style>
+            <a:lnRef idx="1">
+              <a:schemeClr val="accent1"/>
+            </a:lnRef>
+            <a:fillRef idx="0">
+              <a:schemeClr val="accent1"/>
+            </a:fillRef>
+            <a:effectRef idx="0">
+              <a:schemeClr val="accent1"/>
+            </a:effectRef>
+            <a:fontRef idx="minor">
+              <a:schemeClr val="tx1"/>
+            </a:fontRef>
+          </p:style>
+        </p:cxnSp>
+      </p:grpSp>
+      <p:sp>
+        <p:nvSpPr>
+          <p:cNvPr id="59" name="TextBox 58"/>
+          <p:cNvSpPr txBox="1"/>
+          <p:nvPr/>
+        </p:nvSpPr>
+        <p:spPr>
+          <a:xfrm rot="2373847">
+            <a:off x="6680825" y="1184940"/>
+            <a:ext cx="798617" cy="430887"/>
+          </a:xfrm>
+          <a:prstGeom prst="rect">
+            <a:avLst/>
+          </a:prstGeom>
+          <a:noFill/>
+        </p:spPr>
+        <p:txBody>
+          <a:bodyPr wrap="none" rtlCol="0">
+            <a:spAutoFit/>
+          </a:bodyPr>
+          <a:lstStyle/>
+          <a:p>
+            <a:pPr algn="ctr"/>
+            <a:r>
+              <a:rPr lang="ko-KR" altLang="en-US" sz="1100" dirty="0"/>
+              <a:t>권한 확인</a:t>
+            </a:r>
+            <a:endParaRPr lang="en-US" altLang="ko-KR" sz="1100" dirty="0"/>
+          </a:p>
+          <a:p>
+            <a:pPr algn="ctr"/>
+            <a:r>
+              <a:rPr lang="ko-KR" altLang="en-US" sz="1100" dirty="0"/>
+              <a:t>정보</a:t>
+            </a:r>
+            <a:endParaRPr lang="ko-KR" altLang="en-US" sz="1600" dirty="0"/>
           </a:p>
         </p:txBody>
       </p:sp>
     </p:spTree>
     <p:extLst>
       <p:ext uri="{BB962C8B-B14F-4D97-AF65-F5344CB8AC3E}">
-        <p14:creationId xmlns="" xmlns:p14="http://schemas.microsoft.com/office/powerpoint/2010/main" val="874059438"/>
+        <p14:creationId xmlns:p14="http://schemas.microsoft.com/office/powerpoint/2010/main" val="874059438"/>
       </p:ext>
     </p:extLst>
   </p:cSld>
@@ -4398,7 +5233,7 @@
   <a:extraClrSchemeLst/>
   <a:extLst>
     <a:ext uri="{05A4C25C-085E-4340-85A3-A5531E510DB2}">
-      <thm15:themeFamily xmlns="" xmlns:thm15="http://schemas.microsoft.com/office/thememl/2012/main" name="Office Theme" id="{62F939B6-93AF-4DB8-9C6B-D6C7DFDC589F}" vid="{4A3C46E8-61CC-4603-A589-7422A47A8E4A}"/>
+      <thm15:themeFamily xmlns:thm15="http://schemas.microsoft.com/office/thememl/2012/main" name="Office Theme" id="{62F939B6-93AF-4DB8-9C6B-D6C7DFDC589F}" vid="{4A3C46E8-61CC-4603-A589-7422A47A8E4A}"/>
     </a:ext>
   </a:extLst>
 </a:theme>

--- a/SDD 관련 자료/작업 결과물/대화 모형도/강의평가질문등록.pptx
+++ b/SDD 관련 자료/작업 결과물/대화 모형도/강의평가질문등록.pptx
@@ -3035,6 +3035,27 @@
               </a:rPr>
               <a:t>강의평가 질문 등록</a:t>
             </a:r>
+            <a:endParaRPr lang="en-US" altLang="ko-KR" sz="1100" dirty="0">
+              <a:solidFill>
+                <a:sysClr val="windowText" lastClr="000000"/>
+              </a:solidFill>
+            </a:endParaRPr>
+          </a:p>
+          <a:p>
+            <a:pPr algn="ctr"/>
+            <a:r>
+              <a:rPr lang="ko-KR" altLang="en-US" sz="1100">
+                <a:solidFill>
+                  <a:sysClr val="windowText" lastClr="000000"/>
+                </a:solidFill>
+              </a:rPr>
+              <a:t>화면</a:t>
+            </a:r>
+            <a:endParaRPr lang="ko-KR" altLang="en-US" sz="1100" dirty="0">
+              <a:solidFill>
+                <a:sysClr val="windowText" lastClr="000000"/>
+              </a:solidFill>
+            </a:endParaRPr>
           </a:p>
         </p:txBody>
       </p:sp>

--- a/SDD 관련 자료/작업 결과물/대화 모형도/강의평가질문등록.pptx
+++ b/SDD 관련 자료/작업 결과물/대화 모형도/강의평가질문등록.pptx
@@ -3632,253 +3632,6 @@
           </a:p>
         </p:txBody>
       </p:sp>
-      <p:grpSp>
-        <p:nvGrpSpPr>
-          <p:cNvPr id="63" name="그룹 62"/>
-          <p:cNvGrpSpPr/>
-          <p:nvPr/>
-        </p:nvGrpSpPr>
-        <p:grpSpPr>
-          <a:xfrm>
-            <a:off x="10160005" y="5956463"/>
-            <a:ext cx="1561933" cy="676405"/>
-            <a:chOff x="8118153" y="2442575"/>
-            <a:chExt cx="1561933" cy="676405"/>
-          </a:xfrm>
-        </p:grpSpPr>
-        <p:cxnSp>
-          <p:nvCxnSpPr>
-            <p:cNvPr id="64" name="직선 연결선 63"/>
-            <p:cNvCxnSpPr/>
-            <p:nvPr/>
-          </p:nvCxnSpPr>
-          <p:spPr>
-            <a:xfrm>
-              <a:off x="8118153" y="2442575"/>
-              <a:ext cx="1560286" cy="0"/>
-            </a:xfrm>
-            <a:prstGeom prst="line">
-              <a:avLst/>
-            </a:prstGeom>
-            <a:ln w="38100">
-              <a:solidFill>
-                <a:srgbClr val="41719C"/>
-              </a:solidFill>
-            </a:ln>
-          </p:spPr>
-          <p:style>
-            <a:lnRef idx="1">
-              <a:schemeClr val="accent1"/>
-            </a:lnRef>
-            <a:fillRef idx="0">
-              <a:schemeClr val="accent1"/>
-            </a:fillRef>
-            <a:effectRef idx="0">
-              <a:schemeClr val="accent1"/>
-            </a:effectRef>
-            <a:fontRef idx="minor">
-              <a:schemeClr val="tx1"/>
-            </a:fontRef>
-          </p:style>
-        </p:cxnSp>
-        <p:cxnSp>
-          <p:nvCxnSpPr>
-            <p:cNvPr id="65" name="직선 연결선 64"/>
-            <p:cNvCxnSpPr/>
-            <p:nvPr/>
-          </p:nvCxnSpPr>
-          <p:spPr>
-            <a:xfrm>
-              <a:off x="8119800" y="3118980"/>
-              <a:ext cx="1560286" cy="0"/>
-            </a:xfrm>
-            <a:prstGeom prst="line">
-              <a:avLst/>
-            </a:prstGeom>
-            <a:ln w="38100">
-              <a:solidFill>
-                <a:srgbClr val="41719C"/>
-              </a:solidFill>
-            </a:ln>
-          </p:spPr>
-          <p:style>
-            <a:lnRef idx="1">
-              <a:schemeClr val="accent1"/>
-            </a:lnRef>
-            <a:fillRef idx="0">
-              <a:schemeClr val="accent1"/>
-            </a:fillRef>
-            <a:effectRef idx="0">
-              <a:schemeClr val="accent1"/>
-            </a:effectRef>
-            <a:fontRef idx="minor">
-              <a:schemeClr val="tx1"/>
-            </a:fontRef>
-          </p:style>
-        </p:cxnSp>
-        <p:sp>
-          <p:nvSpPr>
-            <p:cNvPr id="66" name="직사각형 65"/>
-            <p:cNvSpPr/>
-            <p:nvPr/>
-          </p:nvSpPr>
-          <p:spPr>
-            <a:xfrm>
-              <a:off x="8217074" y="2530257"/>
-              <a:ext cx="1377863" cy="502203"/>
-            </a:xfrm>
-            <a:prstGeom prst="rect">
-              <a:avLst/>
-            </a:prstGeom>
-            <a:solidFill>
-              <a:schemeClr val="bg1"/>
-            </a:solidFill>
-            <a:ln>
-              <a:noFill/>
-            </a:ln>
-          </p:spPr>
-          <p:style>
-            <a:lnRef idx="2">
-              <a:schemeClr val="accent1">
-                <a:shade val="50000"/>
-              </a:schemeClr>
-            </a:lnRef>
-            <a:fillRef idx="1">
-              <a:schemeClr val="accent1"/>
-            </a:fillRef>
-            <a:effectRef idx="0">
-              <a:schemeClr val="accent1"/>
-            </a:effectRef>
-            <a:fontRef idx="minor">
-              <a:schemeClr val="lt1"/>
-            </a:fontRef>
-          </p:style>
-          <p:txBody>
-            <a:bodyPr rtlCol="0" anchor="ctr"/>
-            <a:lstStyle>
-              <a:defPPr>
-                <a:defRPr lang="ko-KR"/>
-              </a:defPPr>
-              <a:lvl1pPr marL="0" algn="l" defTabSz="914400" rtl="0" eaLnBrk="1" latinLnBrk="1" hangingPunct="1">
-                <a:defRPr sz="1800" kern="1200">
-                  <a:solidFill>
-                    <a:schemeClr val="lt1"/>
-                  </a:solidFill>
-                  <a:latin typeface="+mn-lt"/>
-                  <a:ea typeface="+mn-ea"/>
-                  <a:cs typeface="+mn-cs"/>
-                </a:defRPr>
-              </a:lvl1pPr>
-              <a:lvl2pPr marL="457200" algn="l" defTabSz="914400" rtl="0" eaLnBrk="1" latinLnBrk="1" hangingPunct="1">
-                <a:defRPr sz="1800" kern="1200">
-                  <a:solidFill>
-                    <a:schemeClr val="lt1"/>
-                  </a:solidFill>
-                  <a:latin typeface="+mn-lt"/>
-                  <a:ea typeface="+mn-ea"/>
-                  <a:cs typeface="+mn-cs"/>
-                </a:defRPr>
-              </a:lvl2pPr>
-              <a:lvl3pPr marL="914400" algn="l" defTabSz="914400" rtl="0" eaLnBrk="1" latinLnBrk="1" hangingPunct="1">
-                <a:defRPr sz="1800" kern="1200">
-                  <a:solidFill>
-                    <a:schemeClr val="lt1"/>
-                  </a:solidFill>
-                  <a:latin typeface="+mn-lt"/>
-                  <a:ea typeface="+mn-ea"/>
-                  <a:cs typeface="+mn-cs"/>
-                </a:defRPr>
-              </a:lvl3pPr>
-              <a:lvl4pPr marL="1371600" algn="l" defTabSz="914400" rtl="0" eaLnBrk="1" latinLnBrk="1" hangingPunct="1">
-                <a:defRPr sz="1800" kern="1200">
-                  <a:solidFill>
-                    <a:schemeClr val="lt1"/>
-                  </a:solidFill>
-                  <a:latin typeface="+mn-lt"/>
-                  <a:ea typeface="+mn-ea"/>
-                  <a:cs typeface="+mn-cs"/>
-                </a:defRPr>
-              </a:lvl4pPr>
-              <a:lvl5pPr marL="1828800" algn="l" defTabSz="914400" rtl="0" eaLnBrk="1" latinLnBrk="1" hangingPunct="1">
-                <a:defRPr sz="1800" kern="1200">
-                  <a:solidFill>
-                    <a:schemeClr val="lt1"/>
-                  </a:solidFill>
-                  <a:latin typeface="+mn-lt"/>
-                  <a:ea typeface="+mn-ea"/>
-                  <a:cs typeface="+mn-cs"/>
-                </a:defRPr>
-              </a:lvl5pPr>
-              <a:lvl6pPr marL="2286000" algn="l" defTabSz="914400" rtl="0" eaLnBrk="1" latinLnBrk="1" hangingPunct="1">
-                <a:defRPr sz="1800" kern="1200">
-                  <a:solidFill>
-                    <a:schemeClr val="lt1"/>
-                  </a:solidFill>
-                  <a:latin typeface="+mn-lt"/>
-                  <a:ea typeface="+mn-ea"/>
-                  <a:cs typeface="+mn-cs"/>
-                </a:defRPr>
-              </a:lvl6pPr>
-              <a:lvl7pPr marL="2743200" algn="l" defTabSz="914400" rtl="0" eaLnBrk="1" latinLnBrk="1" hangingPunct="1">
-                <a:defRPr sz="1800" kern="1200">
-                  <a:solidFill>
-                    <a:schemeClr val="lt1"/>
-                  </a:solidFill>
-                  <a:latin typeface="+mn-lt"/>
-                  <a:ea typeface="+mn-ea"/>
-                  <a:cs typeface="+mn-cs"/>
-                </a:defRPr>
-              </a:lvl7pPr>
-              <a:lvl8pPr marL="3200400" algn="l" defTabSz="914400" rtl="0" eaLnBrk="1" latinLnBrk="1" hangingPunct="1">
-                <a:defRPr sz="1800" kern="1200">
-                  <a:solidFill>
-                    <a:schemeClr val="lt1"/>
-                  </a:solidFill>
-                  <a:latin typeface="+mn-lt"/>
-                  <a:ea typeface="+mn-ea"/>
-                  <a:cs typeface="+mn-cs"/>
-                </a:defRPr>
-              </a:lvl8pPr>
-              <a:lvl9pPr marL="3657600" algn="l" defTabSz="914400" rtl="0" eaLnBrk="1" latinLnBrk="1" hangingPunct="1">
-                <a:defRPr sz="1800" kern="1200">
-                  <a:solidFill>
-                    <a:schemeClr val="lt1"/>
-                  </a:solidFill>
-                  <a:latin typeface="+mn-lt"/>
-                  <a:ea typeface="+mn-ea"/>
-                  <a:cs typeface="+mn-cs"/>
-                </a:defRPr>
-              </a:lvl9pPr>
-            </a:lstStyle>
-            <a:p>
-              <a:pPr algn="ctr"/>
-              <a:r>
-                <a:rPr lang="ko-KR" altLang="en-US" sz="1100" dirty="0">
-                  <a:solidFill>
-                    <a:schemeClr val="tx1"/>
-                  </a:solidFill>
-                </a:rPr>
-                <a:t>강의 평가 질문</a:t>
-              </a:r>
-              <a:br>
-                <a:rPr lang="en-US" altLang="ko-KR" sz="1100" dirty="0">
-                  <a:solidFill>
-                    <a:schemeClr val="tx1"/>
-                  </a:solidFill>
-                </a:rPr>
-              </a:br>
-              <a:r>
-                <a:rPr lang="ko-KR" altLang="en-US" sz="1100" dirty="0">
-                  <a:solidFill>
-                    <a:schemeClr val="tx1"/>
-                  </a:solidFill>
-                </a:rPr>
-                <a:t>저장소</a:t>
-              </a:r>
-            </a:p>
-          </p:txBody>
-        </p:sp>
-      </p:grpSp>
       <p:cxnSp>
         <p:nvCxnSpPr>
           <p:cNvPr id="67" name="직선 화살표 연결선 66"/>
@@ -4983,6 +4736,76 @@
               <a:t>정보</a:t>
             </a:r>
             <a:endParaRPr lang="ko-KR" altLang="en-US" sz="1600" dirty="0"/>
+          </a:p>
+        </p:txBody>
+      </p:sp>
+      <p:sp>
+        <p:nvSpPr>
+          <p:cNvPr id="84" name="직사각형 83"/>
+          <p:cNvSpPr/>
+          <p:nvPr/>
+        </p:nvSpPr>
+        <p:spPr>
+          <a:xfrm>
+            <a:off x="10194012" y="6049037"/>
+            <a:ext cx="1556992" cy="726131"/>
+          </a:xfrm>
+          <a:prstGeom prst="rect">
+            <a:avLst/>
+          </a:prstGeom>
+          <a:noFill/>
+          <a:ln w="31750">
+            <a:solidFill>
+              <a:schemeClr val="accent1">
+                <a:shade val="50000"/>
+              </a:schemeClr>
+            </a:solidFill>
+          </a:ln>
+        </p:spPr>
+        <p:style>
+          <a:lnRef idx="2">
+            <a:schemeClr val="accent1">
+              <a:shade val="50000"/>
+            </a:schemeClr>
+          </a:lnRef>
+          <a:fillRef idx="1">
+            <a:schemeClr val="accent1"/>
+          </a:fillRef>
+          <a:effectRef idx="0">
+            <a:schemeClr val="accent1"/>
+          </a:effectRef>
+          <a:fontRef idx="minor">
+            <a:schemeClr val="lt1"/>
+          </a:fontRef>
+        </p:style>
+        <p:txBody>
+          <a:bodyPr rtlCol="0" anchor="ctr"/>
+          <a:lstStyle/>
+          <a:p>
+            <a:pPr algn="ctr"/>
+            <a:r>
+              <a:rPr lang="ko-KR" altLang="en-US" sz="1100" dirty="0">
+                <a:solidFill>
+                  <a:schemeClr val="tx1"/>
+                </a:solidFill>
+              </a:rPr>
+              <a:t>강의 평가 질문</a:t>
+            </a:r>
+            <a:br>
+              <a:rPr lang="en-US" altLang="ko-KR" sz="1100" dirty="0">
+                <a:solidFill>
+                  <a:schemeClr val="tx1"/>
+                </a:solidFill>
+              </a:rPr>
+            </a:br>
+            <a:r>
+              <a:rPr lang="ko-KR" altLang="en-US" sz="1100" dirty="0">
+                <a:solidFill>
+                  <a:schemeClr val="tx1"/>
+                </a:solidFill>
+              </a:rPr>
+              <a:t>정보 저장</a:t>
+            </a:r>
           </a:p>
         </p:txBody>
       </p:sp>
